--- a/Cloud Computing Performance Testing.pptx
+++ b/Cloud Computing Performance Testing.pptx
@@ -5,7 +5,7 @@
     <p:sldMasterId id="2147483678" r:id="rId1"/>
   </p:sldMasterIdLst>
   <p:notesMasterIdLst>
-    <p:notesMasterId r:id="rId23"/>
+    <p:notesMasterId r:id="rId25"/>
   </p:notesMasterIdLst>
   <p:sldIdLst>
     <p:sldId id="256" r:id="rId2"/>
@@ -28,34 +28,36 @@
     <p:sldId id="285" r:id="rId19"/>
     <p:sldId id="293" r:id="rId20"/>
     <p:sldId id="273" r:id="rId21"/>
-    <p:sldId id="276" r:id="rId22"/>
+    <p:sldId id="294" r:id="rId22"/>
+    <p:sldId id="295" r:id="rId23"/>
+    <p:sldId id="276" r:id="rId24"/>
   </p:sldIdLst>
   <p:sldSz cx="9144000" cy="5143500" type="screen16x9"/>
   <p:notesSz cx="6858000" cy="9144000"/>
   <p:embeddedFontLst>
     <p:embeddedFont>
-      <p:font typeface="Barlow Semi Condensed Medium" panose="020B0604020202020204" charset="0"/>
-      <p:regular r:id="rId24"/>
-      <p:bold r:id="rId25"/>
-      <p:italic r:id="rId26"/>
+      <p:font typeface="Montserrat ExtraBold" panose="00000900000000000000" pitchFamily="2" charset="0"/>
+      <p:bold r:id="rId26"/>
       <p:boldItalic r:id="rId27"/>
     </p:embeddedFont>
     <p:embeddedFont>
-      <p:font typeface="Roboto Condensed Light" panose="02000000000000000000" pitchFamily="2" charset="0"/>
+      <p:font typeface="Barlow Semi Condensed Medium" panose="020B0604020202020204" charset="0"/>
       <p:regular r:id="rId28"/>
-      <p:italic r:id="rId29"/>
-    </p:embeddedFont>
-    <p:embeddedFont>
-      <p:font typeface="Montserrat ExtraBold" panose="00000900000000000000" pitchFamily="2" charset="0"/>
-      <p:bold r:id="rId30"/>
+      <p:bold r:id="rId29"/>
+      <p:italic r:id="rId30"/>
       <p:boldItalic r:id="rId31"/>
     </p:embeddedFont>
     <p:embeddedFont>
+      <p:font typeface="Roboto Condensed Light" panose="02000000000000000000" pitchFamily="2" charset="0"/>
+      <p:regular r:id="rId32"/>
+      <p:italic r:id="rId33"/>
+    </p:embeddedFont>
+    <p:embeddedFont>
       <p:font typeface="Barlow Semi Condensed" panose="020B0604020202020204" charset="0"/>
-      <p:regular r:id="rId32"/>
-      <p:bold r:id="rId33"/>
-      <p:italic r:id="rId34"/>
-      <p:boldItalic r:id="rId35"/>
+      <p:regular r:id="rId34"/>
+      <p:bold r:id="rId35"/>
+      <p:italic r:id="rId36"/>
+      <p:boldItalic r:id="rId37"/>
     </p:embeddedFont>
   </p:embeddedFontLst>
   <p:defaultTextStyle>
@@ -932,7 +934,11 @@
               </a:spcAft>
               <a:buNone/>
             </a:pPr>
-            <a:endParaRPr/>
+            <a:r>
+              <a:rPr lang="en-GB" dirty="0" smtClean="0"/>
+              <a:t>GFLOPS (Giga Floating-Point Operations Per Second) is a unit of measure for a computer's computational speed, indicating the number of billion floating-point operations it can perform in one second. </a:t>
+            </a:r>
+            <a:endParaRPr dirty="0"/>
           </a:p>
         </p:txBody>
       </p:sp>
@@ -1368,7 +1374,11 @@
               </a:spcAft>
               <a:buNone/>
             </a:pPr>
-            <a:endParaRPr/>
+            <a:r>
+              <a:rPr lang="en-GB" dirty="0" smtClean="0"/>
+              <a:t>GFLOPS (Giga Floating-Point Operations Per Second) is a unit of measure for a computer's computational speed, indicating the number of billion floating-point operations it can perform in one second. </a:t>
+            </a:r>
+            <a:endParaRPr dirty="0"/>
           </a:p>
         </p:txBody>
       </p:sp>
@@ -2203,6 +2213,224 @@
   <p:cSld>
     <p:spTree>
       <p:nvGrpSpPr>
+        <p:cNvPr id="1" name="Shape 370"/>
+        <p:cNvGrpSpPr/>
+        <p:nvPr/>
+      </p:nvGrpSpPr>
+      <p:grpSpPr>
+        <a:xfrm>
+          <a:off x="0" y="0"/>
+          <a:ext cx="0" cy="0"/>
+          <a:chOff x="0" y="0"/>
+          <a:chExt cx="0" cy="0"/>
+        </a:xfrm>
+      </p:grpSpPr>
+      <p:sp>
+        <p:nvSpPr>
+          <p:cNvPr id="371" name="Google Shape;371;g32bdb0db43a_0_13:notes"/>
+          <p:cNvSpPr>
+            <a:spLocks noGrp="1" noRot="1" noChangeAspect="1"/>
+          </p:cNvSpPr>
+          <p:nvPr>
+            <p:ph type="sldImg" idx="2"/>
+          </p:nvPr>
+        </p:nvSpPr>
+        <p:spPr>
+          <a:xfrm>
+            <a:off x="381000" y="685800"/>
+            <a:ext cx="6096000" cy="3429000"/>
+          </a:xfrm>
+          <a:custGeom>
+            <a:avLst/>
+            <a:gdLst/>
+            <a:ahLst/>
+            <a:cxnLst/>
+            <a:rect l="l" t="t" r="r" b="b"/>
+            <a:pathLst>
+              <a:path w="120000" h="120000" extrusionOk="0">
+                <a:moveTo>
+                  <a:pt x="0" y="0"/>
+                </a:moveTo>
+                <a:lnTo>
+                  <a:pt x="120000" y="0"/>
+                </a:lnTo>
+                <a:lnTo>
+                  <a:pt x="120000" y="120000"/>
+                </a:lnTo>
+                <a:lnTo>
+                  <a:pt x="0" y="120000"/>
+                </a:lnTo>
+                <a:close/>
+              </a:path>
+            </a:pathLst>
+          </a:custGeom>
+        </p:spPr>
+      </p:sp>
+      <p:sp>
+        <p:nvSpPr>
+          <p:cNvPr id="372" name="Google Shape;372;g32bdb0db43a_0_13:notes"/>
+          <p:cNvSpPr txBox="1">
+            <a:spLocks noGrp="1"/>
+          </p:cNvSpPr>
+          <p:nvPr>
+            <p:ph type="body" idx="1"/>
+          </p:nvPr>
+        </p:nvSpPr>
+        <p:spPr>
+          <a:xfrm>
+            <a:off x="685800" y="4343400"/>
+            <a:ext cx="5486400" cy="4114800"/>
+          </a:xfrm>
+          <a:prstGeom prst="rect">
+            <a:avLst/>
+          </a:prstGeom>
+        </p:spPr>
+        <p:txBody>
+          <a:bodyPr spcFirstLastPara="1" wrap="square" lIns="91425" tIns="91425" rIns="91425" bIns="91425" anchor="t" anchorCtr="0">
+            <a:noAutofit/>
+          </a:bodyPr>
+          <a:lstStyle/>
+          <a:p>
+            <a:pPr marL="0" lvl="0" indent="0" algn="l" rtl="0">
+              <a:spcBef>
+                <a:spcPts val="0"/>
+              </a:spcBef>
+              <a:spcAft>
+                <a:spcPts val="0"/>
+              </a:spcAft>
+              <a:buNone/>
+            </a:pPr>
+            <a:endParaRPr/>
+          </a:p>
+        </p:txBody>
+      </p:sp>
+    </p:spTree>
+    <p:extLst>
+      <p:ext uri="{BB962C8B-B14F-4D97-AF65-F5344CB8AC3E}">
+        <p14:creationId xmlns:p14="http://schemas.microsoft.com/office/powerpoint/2010/main" val="1812262823"/>
+      </p:ext>
+    </p:extLst>
+  </p:cSld>
+  <p:clrMapOvr>
+    <a:masterClrMapping/>
+  </p:clrMapOvr>
+</p:notes>
+</file>
+
+<file path=ppt/notesSlides/notesSlide22.xml><?xml version="1.0" encoding="utf-8"?>
+<p:notes xmlns:a="http://schemas.openxmlformats.org/drawingml/2006/main" xmlns:r="http://schemas.openxmlformats.org/officeDocument/2006/relationships" xmlns:p="http://schemas.openxmlformats.org/presentationml/2006/main" showMasterSp="0" showMasterPhAnim="0">
+  <p:cSld>
+    <p:spTree>
+      <p:nvGrpSpPr>
+        <p:cNvPr id="1" name="Shape 370"/>
+        <p:cNvGrpSpPr/>
+        <p:nvPr/>
+      </p:nvGrpSpPr>
+      <p:grpSpPr>
+        <a:xfrm>
+          <a:off x="0" y="0"/>
+          <a:ext cx="0" cy="0"/>
+          <a:chOff x="0" y="0"/>
+          <a:chExt cx="0" cy="0"/>
+        </a:xfrm>
+      </p:grpSpPr>
+      <p:sp>
+        <p:nvSpPr>
+          <p:cNvPr id="371" name="Google Shape;371;g32bdb0db43a_0_13:notes"/>
+          <p:cNvSpPr>
+            <a:spLocks noGrp="1" noRot="1" noChangeAspect="1"/>
+          </p:cNvSpPr>
+          <p:nvPr>
+            <p:ph type="sldImg" idx="2"/>
+          </p:nvPr>
+        </p:nvSpPr>
+        <p:spPr>
+          <a:xfrm>
+            <a:off x="381000" y="685800"/>
+            <a:ext cx="6096000" cy="3429000"/>
+          </a:xfrm>
+          <a:custGeom>
+            <a:avLst/>
+            <a:gdLst/>
+            <a:ahLst/>
+            <a:cxnLst/>
+            <a:rect l="l" t="t" r="r" b="b"/>
+            <a:pathLst>
+              <a:path w="120000" h="120000" extrusionOk="0">
+                <a:moveTo>
+                  <a:pt x="0" y="0"/>
+                </a:moveTo>
+                <a:lnTo>
+                  <a:pt x="120000" y="0"/>
+                </a:lnTo>
+                <a:lnTo>
+                  <a:pt x="120000" y="120000"/>
+                </a:lnTo>
+                <a:lnTo>
+                  <a:pt x="0" y="120000"/>
+                </a:lnTo>
+                <a:close/>
+              </a:path>
+            </a:pathLst>
+          </a:custGeom>
+        </p:spPr>
+      </p:sp>
+      <p:sp>
+        <p:nvSpPr>
+          <p:cNvPr id="372" name="Google Shape;372;g32bdb0db43a_0_13:notes"/>
+          <p:cNvSpPr txBox="1">
+            <a:spLocks noGrp="1"/>
+          </p:cNvSpPr>
+          <p:nvPr>
+            <p:ph type="body" idx="1"/>
+          </p:nvPr>
+        </p:nvSpPr>
+        <p:spPr>
+          <a:xfrm>
+            <a:off x="685800" y="4343400"/>
+            <a:ext cx="5486400" cy="4114800"/>
+          </a:xfrm>
+          <a:prstGeom prst="rect">
+            <a:avLst/>
+          </a:prstGeom>
+        </p:spPr>
+        <p:txBody>
+          <a:bodyPr spcFirstLastPara="1" wrap="square" lIns="91425" tIns="91425" rIns="91425" bIns="91425" anchor="t" anchorCtr="0">
+            <a:noAutofit/>
+          </a:bodyPr>
+          <a:lstStyle/>
+          <a:p>
+            <a:pPr marL="0" lvl="0" indent="0" algn="l" rtl="0">
+              <a:spcBef>
+                <a:spcPts val="0"/>
+              </a:spcBef>
+              <a:spcAft>
+                <a:spcPts val="0"/>
+              </a:spcAft>
+              <a:buNone/>
+            </a:pPr>
+            <a:endParaRPr/>
+          </a:p>
+        </p:txBody>
+      </p:sp>
+    </p:spTree>
+    <p:extLst>
+      <p:ext uri="{BB962C8B-B14F-4D97-AF65-F5344CB8AC3E}">
+        <p14:creationId xmlns:p14="http://schemas.microsoft.com/office/powerpoint/2010/main" val="4055612558"/>
+      </p:ext>
+    </p:extLst>
+  </p:cSld>
+  <p:clrMapOvr>
+    <a:masterClrMapping/>
+  </p:clrMapOvr>
+</p:notes>
+</file>
+
+<file path=ppt/notesSlides/notesSlide23.xml><?xml version="1.0" encoding="utf-8"?>
+<p:notes xmlns:a="http://schemas.openxmlformats.org/drawingml/2006/main" xmlns:r="http://schemas.openxmlformats.org/officeDocument/2006/relationships" xmlns:p="http://schemas.openxmlformats.org/presentationml/2006/main" showMasterSp="0" showMasterPhAnim="0">
+  <p:cSld>
+    <p:spTree>
+      <p:nvGrpSpPr>
         <p:cNvPr id="1" name="Shape 506"/>
         <p:cNvGrpSpPr/>
         <p:nvPr/>
@@ -20482,7 +20710,7 @@
                 <a:hlinkClick r:id="rId2">
                   <a:extLst>
                     <a:ext uri="{A12FA001-AC4F-418D-AE19-62706E023703}">
-                      <ahyp:hlinkClr xmlns:ahyp="http://schemas.microsoft.com/office/drawing/2018/hyperlinkcolor" xmlns:p15="http://schemas.microsoft.com/office/powerpoint/2012/main" xmlns:p14="http://schemas.microsoft.com/office/powerpoint/2010/main" xmlns:com="http://schemas.openxmlformats.org/drawingml/2006/compatibility" xmlns:pvml="urn:schemas-microsoft-com:office:powerpoint" xmlns:v="urn:schemas-microsoft-com:vml" xmlns:o="urn:schemas-microsoft-com:office:office" xmlns:dgm="http://schemas.openxmlformats.org/drawingml/2006/diagram" xmlns:c="http://schemas.openxmlformats.org/drawingml/2006/chart" xmlns:mv="urn:schemas-microsoft-com:mac:vml" xmlns:mc="http://schemas.openxmlformats.org/markup-compatibility/2006" xmlns="" val="tx"/>
+                      <ahyp:hlinkClr xmlns="" xmlns:mc="http://schemas.openxmlformats.org/markup-compatibility/2006" xmlns:mv="urn:schemas-microsoft-com:mac:vml" xmlns:c="http://schemas.openxmlformats.org/drawingml/2006/chart" xmlns:dgm="http://schemas.openxmlformats.org/drawingml/2006/diagram" xmlns:o="urn:schemas-microsoft-com:office:office" xmlns:v="urn:schemas-microsoft-com:vml" xmlns:pvml="urn:schemas-microsoft-com:office:powerpoint" xmlns:com="http://schemas.openxmlformats.org/drawingml/2006/compatibility" xmlns:p14="http://schemas.microsoft.com/office/powerpoint/2010/main" xmlns:p15="http://schemas.microsoft.com/office/powerpoint/2012/main" xmlns:ahyp="http://schemas.microsoft.com/office/drawing/2018/hyperlinkcolor" val="tx"/>
                     </a:ext>
                   </a:extLst>
                 </a:hlinkClick>
@@ -20516,7 +20744,7 @@
                 <a:hlinkClick r:id="rId3">
                   <a:extLst>
                     <a:ext uri="{A12FA001-AC4F-418D-AE19-62706E023703}">
-                      <ahyp:hlinkClr xmlns:ahyp="http://schemas.microsoft.com/office/drawing/2018/hyperlinkcolor" xmlns:p15="http://schemas.microsoft.com/office/powerpoint/2012/main" xmlns:p14="http://schemas.microsoft.com/office/powerpoint/2010/main" xmlns:com="http://schemas.openxmlformats.org/drawingml/2006/compatibility" xmlns:pvml="urn:schemas-microsoft-com:office:powerpoint" xmlns:v="urn:schemas-microsoft-com:vml" xmlns:o="urn:schemas-microsoft-com:office:office" xmlns:dgm="http://schemas.openxmlformats.org/drawingml/2006/diagram" xmlns:c="http://schemas.openxmlformats.org/drawingml/2006/chart" xmlns:mv="urn:schemas-microsoft-com:mac:vml" xmlns:mc="http://schemas.openxmlformats.org/markup-compatibility/2006" xmlns="" val="tx"/>
+                      <ahyp:hlinkClr xmlns="" xmlns:mc="http://schemas.openxmlformats.org/markup-compatibility/2006" xmlns:mv="urn:schemas-microsoft-com:mac:vml" xmlns:c="http://schemas.openxmlformats.org/drawingml/2006/chart" xmlns:dgm="http://schemas.openxmlformats.org/drawingml/2006/diagram" xmlns:o="urn:schemas-microsoft-com:office:office" xmlns:v="urn:schemas-microsoft-com:vml" xmlns:pvml="urn:schemas-microsoft-com:office:powerpoint" xmlns:com="http://schemas.openxmlformats.org/drawingml/2006/compatibility" xmlns:p14="http://schemas.microsoft.com/office/powerpoint/2010/main" xmlns:p15="http://schemas.microsoft.com/office/powerpoint/2012/main" xmlns:ahyp="http://schemas.microsoft.com/office/drawing/2018/hyperlinkcolor" val="tx"/>
                     </a:ext>
                   </a:extLst>
                 </a:hlinkClick>
@@ -20550,7 +20778,7 @@
                 <a:hlinkClick r:id="rId4">
                   <a:extLst>
                     <a:ext uri="{A12FA001-AC4F-418D-AE19-62706E023703}">
-                      <ahyp:hlinkClr xmlns:ahyp="http://schemas.microsoft.com/office/drawing/2018/hyperlinkcolor" xmlns:p15="http://schemas.microsoft.com/office/powerpoint/2012/main" xmlns:p14="http://schemas.microsoft.com/office/powerpoint/2010/main" xmlns:com="http://schemas.openxmlformats.org/drawingml/2006/compatibility" xmlns:pvml="urn:schemas-microsoft-com:office:powerpoint" xmlns:v="urn:schemas-microsoft-com:vml" xmlns:o="urn:schemas-microsoft-com:office:office" xmlns:dgm="http://schemas.openxmlformats.org/drawingml/2006/diagram" xmlns:c="http://schemas.openxmlformats.org/drawingml/2006/chart" xmlns:mv="urn:schemas-microsoft-com:mac:vml" xmlns:mc="http://schemas.openxmlformats.org/markup-compatibility/2006" xmlns="" val="tx"/>
+                      <ahyp:hlinkClr xmlns="" xmlns:mc="http://schemas.openxmlformats.org/markup-compatibility/2006" xmlns:mv="urn:schemas-microsoft-com:mac:vml" xmlns:c="http://schemas.openxmlformats.org/drawingml/2006/chart" xmlns:dgm="http://schemas.openxmlformats.org/drawingml/2006/diagram" xmlns:o="urn:schemas-microsoft-com:office:office" xmlns:v="urn:schemas-microsoft-com:vml" xmlns:pvml="urn:schemas-microsoft-com:office:powerpoint" xmlns:com="http://schemas.openxmlformats.org/drawingml/2006/compatibility" xmlns:p14="http://schemas.microsoft.com/office/powerpoint/2010/main" xmlns:p15="http://schemas.microsoft.com/office/powerpoint/2012/main" xmlns:ahyp="http://schemas.microsoft.com/office/drawing/2018/hyperlinkcolor" val="tx"/>
                     </a:ext>
                   </a:extLst>
                 </a:hlinkClick>
@@ -30661,23 +30889,8 @@
                 </a:solidFill>
                 <a:latin typeface="-apple-system"/>
               </a:rPr>
-              <a:t>CPU Performance </a:t>
+              <a:t>CPU Performance Results</a:t>
             </a:r>
-            <a:r>
-              <a:rPr lang="en-GB" b="1" dirty="0">
-                <a:solidFill>
-                  <a:srgbClr val="F0F6FC"/>
-                </a:solidFill>
-                <a:latin typeface="-apple-system"/>
-              </a:rPr>
-              <a:t>Results</a:t>
-            </a:r>
-            <a:endParaRPr lang="en-GB" b="1" dirty="0">
-              <a:solidFill>
-                <a:srgbClr val="F0F6FC"/>
-              </a:solidFill>
-              <a:latin typeface="-apple-system"/>
-            </a:endParaRPr>
           </a:p>
         </p:txBody>
       </p:sp>
@@ -32550,12 +32763,6 @@
               </a:rPr>
               <a:t>Memory Performance Results</a:t>
             </a:r>
-            <a:endParaRPr lang="en-GB" b="1" dirty="0">
-              <a:solidFill>
-                <a:srgbClr val="F0F6FC"/>
-              </a:solidFill>
-              <a:latin typeface="-apple-system"/>
-            </a:endParaRPr>
           </a:p>
         </p:txBody>
       </p:sp>
@@ -32616,14 +32823,14 @@
           <p:nvPr>
             <p:extLst>
               <p:ext uri="{D42A27DB-BD31-4B8C-83A1-F6EECF244321}">
-                <p14:modId xmlns:p14="http://schemas.microsoft.com/office/powerpoint/2010/main" val="784135911"/>
+                <p14:modId xmlns:p14="http://schemas.microsoft.com/office/powerpoint/2010/main" val="3051522002"/>
               </p:ext>
             </p:extLst>
           </p:nvPr>
         </p:nvGraphicFramePr>
         <p:xfrm>
-          <a:off x="164825" y="3021676"/>
-          <a:ext cx="5750552" cy="2121824"/>
+          <a:off x="164823" y="3021676"/>
+          <a:ext cx="6108656" cy="2121824"/>
         </p:xfrm>
         <a:graphic>
           <a:graphicData uri="http://schemas.openxmlformats.org/drawingml/2006/table">
@@ -32632,28 +32839,28 @@
                 <a:tableStyleId>{2D5ABB26-0587-4C30-8999-92F81FD0307C}</a:tableStyleId>
               </a:tblPr>
               <a:tblGrid>
-                <a:gridCol w="1437638">
+                <a:gridCol w="1527164">
                   <a:extLst>
                     <a:ext uri="{9D8B030D-6E8A-4147-A177-3AD203B41FA5}">
                       <a16:colId xmlns:a16="http://schemas.microsoft.com/office/drawing/2014/main" val="1537841091"/>
                     </a:ext>
                   </a:extLst>
                 </a:gridCol>
-                <a:gridCol w="1437638">
+                <a:gridCol w="1527164">
                   <a:extLst>
                     <a:ext uri="{9D8B030D-6E8A-4147-A177-3AD203B41FA5}">
                       <a16:colId xmlns:a16="http://schemas.microsoft.com/office/drawing/2014/main" val="330946008"/>
                     </a:ext>
                   </a:extLst>
                 </a:gridCol>
-                <a:gridCol w="1437638">
+                <a:gridCol w="1527164">
                   <a:extLst>
                     <a:ext uri="{9D8B030D-6E8A-4147-A177-3AD203B41FA5}">
                       <a16:colId xmlns:a16="http://schemas.microsoft.com/office/drawing/2014/main" val="447470876"/>
                     </a:ext>
                   </a:extLst>
                 </a:gridCol>
-                <a:gridCol w="1437638">
+                <a:gridCol w="1527164">
                   <a:extLst>
                     <a:ext uri="{9D8B030D-6E8A-4147-A177-3AD203B41FA5}">
                       <a16:colId xmlns:a16="http://schemas.microsoft.com/office/drawing/2014/main" val="136707131"/>
@@ -34167,7 +34374,7 @@
         <p:spPr>
           <a:xfrm>
             <a:off x="111553" y="2636521"/>
-            <a:ext cx="3207379" cy="400110"/>
+            <a:ext cx="5803824" cy="400110"/>
           </a:xfrm>
           <a:prstGeom prst="rect">
             <a:avLst/>
@@ -34186,7 +34393,7 @@
                 </a:solidFill>
                 <a:latin typeface="-apple-system"/>
               </a:rPr>
-              <a:t>STREAM Benchmark</a:t>
+              <a:t>STREAM </a:t>
             </a:r>
             <a:r>
               <a:rPr lang="en-GB" sz="2000" b="1" dirty="0" smtClean="0">
@@ -34195,7 +34402,25 @@
                 </a:solidFill>
                 <a:latin typeface="-apple-system"/>
               </a:rPr>
-              <a:t>:</a:t>
+              <a:t>Benchmark (</a:t>
+            </a:r>
+            <a:r>
+              <a:rPr lang="en-GB" sz="2000" b="1" dirty="0">
+                <a:solidFill>
+                  <a:srgbClr val="00B0F0"/>
+                </a:solidFill>
+                <a:latin typeface="-apple-system"/>
+              </a:rPr>
+              <a:t>from HPCC</a:t>
+            </a:r>
+            <a:r>
+              <a:rPr lang="en-GB" sz="2000" b="1" dirty="0" smtClean="0">
+                <a:solidFill>
+                  <a:srgbClr val="00B0F0"/>
+                </a:solidFill>
+                <a:latin typeface="-apple-system"/>
+              </a:rPr>
+              <a:t>):</a:t>
             </a:r>
             <a:endParaRPr lang="en-GB" sz="2000" b="1" dirty="0">
               <a:solidFill>
@@ -34206,6 +34431,47 @@
           </a:p>
         </p:txBody>
       </p:sp>
+      <p:pic>
+        <p:nvPicPr>
+          <p:cNvPr id="3076" name="Picture 4" descr="File:MicroSD Card Bottom.svg - Wikipedia"/>
+          <p:cNvPicPr>
+            <a:picLocks noChangeAspect="1" noChangeArrowheads="1"/>
+          </p:cNvPicPr>
+          <p:nvPr/>
+        </p:nvPicPr>
+        <p:blipFill>
+          <a:blip r:embed="rId3">
+            <a:extLst>
+              <a:ext uri="{28A0092B-C50C-407E-A947-70E740481C1C}">
+                <a14:useLocalDpi xmlns:a14="http://schemas.microsoft.com/office/drawing/2010/main" val="0"/>
+              </a:ext>
+            </a:extLst>
+          </a:blip>
+          <a:srcRect/>
+          <a:stretch>
+            <a:fillRect/>
+          </a:stretch>
+        </p:blipFill>
+        <p:spPr bwMode="auto">
+          <a:xfrm>
+            <a:off x="6325220" y="1739229"/>
+            <a:ext cx="2095488" cy="1297402"/>
+          </a:xfrm>
+          <a:prstGeom prst="rect">
+            <a:avLst/>
+          </a:prstGeom>
+          <a:noFill/>
+          <a:extLst>
+            <a:ext uri="{909E8E84-426E-40DD-AFC4-6F175D3DCCD1}">
+              <a14:hiddenFill xmlns:a14="http://schemas.microsoft.com/office/drawing/2010/main">
+                <a:solidFill>
+                  <a:srgbClr val="FFFFFF"/>
+                </a:solidFill>
+              </a14:hiddenFill>
+            </a:ext>
+          </a:extLst>
+        </p:spPr>
+      </p:pic>
     </p:spTree>
     <p:extLst>
       <p:ext uri="{BB962C8B-B14F-4D97-AF65-F5344CB8AC3E}">
@@ -38505,7 +38771,7 @@
               </a:lnSpc>
             </a:pPr>
             <a:r>
-              <a:rPr lang="en-GB" sz="2000" b="1" dirty="0">
+              <a:rPr lang="en-GB" sz="2000" b="1" u="sng" dirty="0">
                 <a:solidFill>
                   <a:schemeClr val="bg1"/>
                 </a:solidFill>
@@ -38513,7 +38779,7 @@
               <a:t>Disk I/O: </a:t>
             </a:r>
             <a:r>
-              <a:rPr lang="en-GB" sz="2000" dirty="0">
+              <a:rPr lang="en-GB" sz="2000" b="1" u="sng" dirty="0">
                 <a:solidFill>
                   <a:schemeClr val="accent4">
                     <a:lumMod val="75000"/>
@@ -38523,7 +38789,7 @@
               <a:t>~10% </a:t>
             </a:r>
             <a:r>
-              <a:rPr lang="en-GB" sz="2000" dirty="0">
+              <a:rPr lang="en-GB" sz="2000" b="1" u="sng" dirty="0">
                 <a:solidFill>
                   <a:schemeClr val="bg1"/>
                 </a:solidFill>
@@ -39050,129 +39316,14 @@
         </p:blipFill>
         <p:spPr>
           <a:xfrm>
-            <a:off x="695011" y="800399"/>
-            <a:ext cx="6788777" cy="2567928"/>
+            <a:off x="638666" y="1064871"/>
+            <a:ext cx="7833784" cy="2963213"/>
           </a:xfrm>
           <a:prstGeom prst="rect">
             <a:avLst/>
           </a:prstGeom>
         </p:spPr>
       </p:pic>
-      <p:sp>
-        <p:nvSpPr>
-          <p:cNvPr id="3" name="Rectangle 2"/>
-          <p:cNvSpPr/>
-          <p:nvPr/>
-        </p:nvSpPr>
-        <p:spPr>
-          <a:xfrm>
-            <a:off x="1078088" y="3460765"/>
-            <a:ext cx="6022622" cy="1831271"/>
-          </a:xfrm>
-          <a:prstGeom prst="rect">
-            <a:avLst/>
-          </a:prstGeom>
-        </p:spPr>
-        <p:txBody>
-          <a:bodyPr wrap="square">
-            <a:spAutoFit/>
-          </a:bodyPr>
-          <a:lstStyle/>
-          <a:p>
-            <a:r>
-              <a:rPr lang="en-GB" b="1" dirty="0">
-                <a:solidFill>
-                  <a:schemeClr val="bg1"/>
-                </a:solidFill>
-              </a:rPr>
-              <a:t>Key Findings</a:t>
-            </a:r>
-            <a:r>
-              <a:rPr lang="en-GB" b="1" dirty="0" smtClean="0">
-                <a:solidFill>
-                  <a:schemeClr val="bg1"/>
-                </a:solidFill>
-              </a:rPr>
-              <a:t>:</a:t>
-            </a:r>
-          </a:p>
-          <a:p>
-            <a:endParaRPr lang="en-GB" b="1" dirty="0">
-              <a:solidFill>
-                <a:schemeClr val="bg1"/>
-              </a:solidFill>
-            </a:endParaRPr>
-          </a:p>
-          <a:p>
-            <a:pPr marL="285750" indent="-285750">
-              <a:buClr>
-                <a:schemeClr val="bg1"/>
-              </a:buClr>
-              <a:buFont typeface="Courier New" panose="02070309020205020404" pitchFamily="49" charset="0"/>
-              <a:buChar char="o"/>
-            </a:pPr>
-            <a:r>
-              <a:rPr lang="en-GB" sz="1700" dirty="0">
-                <a:solidFill>
-                  <a:schemeClr val="bg1"/>
-                </a:solidFill>
-              </a:rPr>
-              <a:t>Containers consistently outperform VMs across all metrics</a:t>
-            </a:r>
-          </a:p>
-          <a:p>
-            <a:pPr marL="285750" indent="-285750">
-              <a:buClr>
-                <a:schemeClr val="bg1"/>
-              </a:buClr>
-              <a:buFont typeface="Courier New" panose="02070309020205020404" pitchFamily="49" charset="0"/>
-              <a:buChar char="o"/>
-            </a:pPr>
-            <a:r>
-              <a:rPr lang="en-GB" sz="1700" dirty="0">
-                <a:solidFill>
-                  <a:schemeClr val="bg1"/>
-                </a:solidFill>
-              </a:rPr>
-              <a:t>Performance advantage ranges from 1.37% to 10.09%</a:t>
-            </a:r>
-          </a:p>
-          <a:p>
-            <a:pPr marL="285750" indent="-285750">
-              <a:buClr>
-                <a:schemeClr val="bg1"/>
-              </a:buClr>
-              <a:buFont typeface="Courier New" panose="02070309020205020404" pitchFamily="49" charset="0"/>
-              <a:buChar char="o"/>
-            </a:pPr>
-            <a:r>
-              <a:rPr lang="en-GB" sz="1700" dirty="0">
-                <a:solidFill>
-                  <a:schemeClr val="bg1"/>
-                </a:solidFill>
-              </a:rPr>
-              <a:t>Disk I/O shows the most significant improvement</a:t>
-            </a:r>
-          </a:p>
-          <a:p>
-            <a:pPr marL="285750" indent="-285750">
-              <a:buClr>
-                <a:schemeClr val="bg1"/>
-              </a:buClr>
-              <a:buFont typeface="Courier New" panose="02070309020205020404" pitchFamily="49" charset="0"/>
-              <a:buChar char="o"/>
-            </a:pPr>
-            <a:r>
-              <a:rPr lang="en-GB" sz="1700" dirty="0">
-                <a:solidFill>
-                  <a:schemeClr val="bg1"/>
-                </a:solidFill>
-              </a:rPr>
-              <a:t>HPC workloads benefit significantly from containers</a:t>
-            </a:r>
-          </a:p>
-        </p:txBody>
-      </p:sp>
     </p:spTree>
     <p:extLst>
       <p:ext uri="{BB962C8B-B14F-4D97-AF65-F5344CB8AC3E}">
@@ -39345,7 +39496,7 @@
         <p:spPr>
           <a:xfrm>
             <a:off x="795866" y="909477"/>
-            <a:ext cx="6372578" cy="1508105"/>
+            <a:ext cx="6372578" cy="1338828"/>
           </a:xfrm>
           <a:prstGeom prst="rect">
             <a:avLst/>
@@ -39358,17 +39509,17 @@
           <a:lstStyle/>
           <a:p>
             <a:r>
-              <a:rPr lang="en-GB" sz="1800" b="1" dirty="0">
+              <a:rPr lang="en-GB" sz="2000" b="1" dirty="0">
                 <a:solidFill>
-                  <a:schemeClr val="bg1"/>
+                  <a:srgbClr val="00B0F0"/>
                 </a:solidFill>
               </a:rPr>
               <a:t>Key Findings</a:t>
             </a:r>
             <a:r>
-              <a:rPr lang="en-GB" sz="1800" b="1" dirty="0" smtClean="0">
+              <a:rPr lang="en-GB" sz="2000" b="1" dirty="0" smtClean="0">
                 <a:solidFill>
-                  <a:schemeClr val="bg1"/>
+                  <a:srgbClr val="00B0F0"/>
                 </a:solidFill>
               </a:rPr>
               <a:t>:</a:t>
@@ -39390,7 +39541,7 @@
               <a:buChar char="•"/>
             </a:pPr>
             <a:r>
-              <a:rPr lang="en-GB" sz="1600" dirty="0">
+              <a:rPr lang="en-GB" sz="1700" dirty="0">
                 <a:solidFill>
                   <a:schemeClr val="bg1"/>
                 </a:solidFill>
@@ -39407,12 +39558,20 @@
               <a:buChar char="•"/>
             </a:pPr>
             <a:r>
-              <a:rPr lang="en-GB" sz="1600" dirty="0">
+              <a:rPr lang="en-GB" sz="1700" b="1" dirty="0" smtClean="0">
                 <a:solidFill>
                   <a:schemeClr val="bg1"/>
                 </a:solidFill>
               </a:rPr>
-              <a:t>Performance advantage ranges from 1.37% to 10.09%</a:t>
+              <a:t>Disk </a:t>
+            </a:r>
+            <a:r>
+              <a:rPr lang="en-GB" sz="1700" b="1" dirty="0">
+                <a:solidFill>
+                  <a:schemeClr val="bg1"/>
+                </a:solidFill>
+              </a:rPr>
+              <a:t>I/O shows the most significant improvement</a:t>
             </a:r>
           </a:p>
           <a:p>
@@ -39424,24 +39583,7 @@
               <a:buChar char="•"/>
             </a:pPr>
             <a:r>
-              <a:rPr lang="en-GB" sz="1600" dirty="0">
-                <a:solidFill>
-                  <a:schemeClr val="bg1"/>
-                </a:solidFill>
-              </a:rPr>
-              <a:t>Disk I/O shows the most significant improvement</a:t>
-            </a:r>
-          </a:p>
-          <a:p>
-            <a:pPr marL="285750" indent="-285750">
-              <a:buClr>
-                <a:schemeClr val="bg1"/>
-              </a:buClr>
-              <a:buFont typeface="Arial" panose="020B0604020202020204" pitchFamily="34" charset="0"/>
-              <a:buChar char="•"/>
-            </a:pPr>
-            <a:r>
-              <a:rPr lang="en-GB" sz="1600" dirty="0">
+              <a:rPr lang="en-GB" sz="1700" dirty="0">
                 <a:solidFill>
                   <a:schemeClr val="bg1"/>
                 </a:solidFill>
@@ -39460,7 +39602,7 @@
         <p:spPr>
           <a:xfrm>
             <a:off x="795866" y="2844930"/>
-            <a:ext cx="5356578" cy="1261884"/>
+            <a:ext cx="5356578" cy="1338828"/>
           </a:xfrm>
           <a:prstGeom prst="rect">
             <a:avLst/>
@@ -39473,9 +39615,9 @@
           <a:lstStyle/>
           <a:p>
             <a:r>
-              <a:rPr lang="en-GB" sz="1800" b="1" dirty="0">
+              <a:rPr lang="en-GB" sz="2000" b="1" dirty="0">
                 <a:solidFill>
-                  <a:schemeClr val="bg1"/>
+                  <a:srgbClr val="00B0F0"/>
                 </a:solidFill>
               </a:rPr>
               <a:t>Consider VMs When:</a:t>
@@ -39497,7 +39639,7 @@
               <a:buChar char="•"/>
             </a:pPr>
             <a:r>
-              <a:rPr lang="en-GB" sz="1600" dirty="0">
+              <a:rPr lang="en-GB" sz="1700" dirty="0">
                 <a:solidFill>
                   <a:schemeClr val="bg1"/>
                 </a:solidFill>
@@ -39514,7 +39656,7 @@
               <a:buChar char="•"/>
             </a:pPr>
             <a:r>
-              <a:rPr lang="en-GB" sz="1600" dirty="0">
+              <a:rPr lang="en-GB" sz="1700" dirty="0">
                 <a:solidFill>
                   <a:schemeClr val="bg1"/>
                 </a:solidFill>
@@ -39531,7 +39673,7 @@
               <a:buChar char="•"/>
             </a:pPr>
             <a:r>
-              <a:rPr lang="en-GB" sz="1600" dirty="0">
+              <a:rPr lang="en-GB" sz="1700" dirty="0">
                 <a:solidFill>
                   <a:schemeClr val="bg1"/>
                 </a:solidFill>
@@ -40020,7 +40162,6 @@
               <a:rPr lang="en-GB" dirty="0"/>
               <a:t>Conclusion</a:t>
             </a:r>
-            <a:endParaRPr lang="en-GB" dirty="0"/>
           </a:p>
         </p:txBody>
       </p:sp>
@@ -40204,8 +40345,8 @@
         </p:nvSpPr>
         <p:spPr>
           <a:xfrm>
-            <a:off x="6243387" y="4089896"/>
-            <a:ext cx="1801800" cy="544500"/>
+            <a:off x="5751021" y="4089896"/>
+            <a:ext cx="2721429" cy="544500"/>
           </a:xfrm>
           <a:prstGeom prst="rect">
             <a:avLst/>
@@ -40217,18 +40358,14 @@
           </a:bodyPr>
           <a:lstStyle/>
           <a:p>
-            <a:pPr marL="0" lvl="0" indent="0" algn="ctr" rtl="0">
-              <a:spcBef>
-                <a:spcPts val="0"/>
-              </a:spcBef>
-              <a:spcAft>
-                <a:spcPts val="0"/>
-              </a:spcAft>
-              <a:buNone/>
-            </a:pPr>
+            <a:pPr lvl="0" algn="ctr"/>
             <a:r>
-              <a:rPr lang="en" dirty="0" smtClean="0"/>
-              <a:t>Q&amp;A</a:t>
+              <a:rPr lang="en-GB" dirty="0" smtClean="0"/>
+              <a:t>Problems </a:t>
+            </a:r>
+            <a:r>
+              <a:rPr lang="en-GB" dirty="0"/>
+              <a:t>Faced and Solutions</a:t>
             </a:r>
             <a:endParaRPr dirty="0"/>
           </a:p>
@@ -40510,8 +40647,12 @@
           <a:p>
             <a:pPr lvl="0"/>
             <a:r>
-              <a:rPr lang="en" dirty="0" smtClean="0"/>
-              <a:t>Q&amp;A</a:t>
+              <a:rPr lang="en-GB" dirty="0" smtClean="0"/>
+              <a:t>Problems Faced and </a:t>
+            </a:r>
+            <a:r>
+              <a:rPr lang="en-GB" dirty="0"/>
+              <a:t>Solutions</a:t>
             </a:r>
             <a:endParaRPr dirty="0"/>
           </a:p>
@@ -40633,6 +40774,871 @@
 </file>
 
 <file path=ppt/slides/slide21.xml><?xml version="1.0" encoding="utf-8"?>
+<p:sld xmlns:a="http://schemas.openxmlformats.org/drawingml/2006/main" xmlns:r="http://schemas.openxmlformats.org/officeDocument/2006/relationships" xmlns:p="http://schemas.openxmlformats.org/presentationml/2006/main">
+  <p:cSld>
+    <p:spTree>
+      <p:nvGrpSpPr>
+        <p:cNvPr id="1" name="Shape 373"/>
+        <p:cNvGrpSpPr/>
+        <p:nvPr/>
+      </p:nvGrpSpPr>
+      <p:grpSpPr>
+        <a:xfrm>
+          <a:off x="0" y="0"/>
+          <a:ext cx="0" cy="0"/>
+          <a:chOff x="0" y="0"/>
+          <a:chExt cx="0" cy="0"/>
+        </a:xfrm>
+      </p:grpSpPr>
+      <p:sp>
+        <p:nvSpPr>
+          <p:cNvPr id="374" name="Google Shape;374;p36"/>
+          <p:cNvSpPr txBox="1">
+            <a:spLocks noGrp="1"/>
+          </p:cNvSpPr>
+          <p:nvPr>
+            <p:ph type="sldNum" idx="12"/>
+          </p:nvPr>
+        </p:nvSpPr>
+        <p:spPr>
+          <a:xfrm>
+            <a:off x="8472450" y="4663223"/>
+            <a:ext cx="548700" cy="310200"/>
+          </a:xfrm>
+          <a:prstGeom prst="rect">
+            <a:avLst/>
+          </a:prstGeom>
+        </p:spPr>
+        <p:txBody>
+          <a:bodyPr spcFirstLastPara="1" wrap="square" lIns="91425" tIns="91425" rIns="91425" bIns="91425" anchor="ctr" anchorCtr="0">
+            <a:normAutofit fontScale="92500" lnSpcReduction="10000"/>
+          </a:bodyPr>
+          <a:lstStyle/>
+          <a:p>
+            <a:pPr marL="0" lvl="0" indent="0" algn="ctr" rtl="0">
+              <a:spcBef>
+                <a:spcPts val="0"/>
+              </a:spcBef>
+              <a:spcAft>
+                <a:spcPts val="0"/>
+              </a:spcAft>
+              <a:buNone/>
+            </a:pPr>
+            <a:fld id="{00000000-1234-1234-1234-123412341234}" type="slidenum">
+              <a:rPr lang="en"/>
+              <a:t>21</a:t>
+            </a:fld>
+            <a:endParaRPr/>
+          </a:p>
+        </p:txBody>
+      </p:sp>
+      <p:sp>
+        <p:nvSpPr>
+          <p:cNvPr id="375" name="Google Shape;375;p36"/>
+          <p:cNvSpPr txBox="1">
+            <a:spLocks noGrp="1"/>
+          </p:cNvSpPr>
+          <p:nvPr>
+            <p:ph type="title"/>
+          </p:nvPr>
+        </p:nvSpPr>
+        <p:spPr>
+          <a:xfrm>
+            <a:off x="164829" y="327378"/>
+            <a:ext cx="4441896" cy="383822"/>
+          </a:xfrm>
+          <a:prstGeom prst="rect">
+            <a:avLst/>
+          </a:prstGeom>
+          <a:noFill/>
+          <a:ln>
+            <a:noFill/>
+          </a:ln>
+        </p:spPr>
+        <p:txBody>
+          <a:bodyPr spcFirstLastPara="1" wrap="square" lIns="91425" tIns="91425" rIns="91425" bIns="91425" anchor="ctr" anchorCtr="0">
+            <a:noAutofit/>
+          </a:bodyPr>
+          <a:lstStyle/>
+          <a:p>
+            <a:r>
+              <a:rPr lang="en-GB" b="1" dirty="0" smtClean="0">
+                <a:solidFill>
+                  <a:srgbClr val="F0F6FC"/>
+                </a:solidFill>
+                <a:latin typeface="-apple-system"/>
+              </a:rPr>
+              <a:t>HPL </a:t>
+            </a:r>
+            <a:r>
+              <a:rPr lang="en-GB" b="1" dirty="0">
+                <a:solidFill>
+                  <a:srgbClr val="F0F6FC"/>
+                </a:solidFill>
+                <a:latin typeface="-apple-system"/>
+              </a:rPr>
+              <a:t>Benchmark Failure</a:t>
+            </a:r>
+            <a:endParaRPr lang="en-GB" b="1" dirty="0">
+              <a:solidFill>
+                <a:srgbClr val="F0F6FC"/>
+              </a:solidFill>
+              <a:latin typeface="-apple-system"/>
+            </a:endParaRPr>
+          </a:p>
+        </p:txBody>
+      </p:sp>
+      <p:sp>
+        <p:nvSpPr>
+          <p:cNvPr id="3" name="Rectangle 2"/>
+          <p:cNvSpPr/>
+          <p:nvPr/>
+        </p:nvSpPr>
+        <p:spPr>
+          <a:xfrm>
+            <a:off x="164828" y="803205"/>
+            <a:ext cx="7682807" cy="523220"/>
+          </a:xfrm>
+          <a:prstGeom prst="rect">
+            <a:avLst/>
+          </a:prstGeom>
+        </p:spPr>
+        <p:txBody>
+          <a:bodyPr wrap="square">
+            <a:spAutoFit/>
+          </a:bodyPr>
+          <a:lstStyle/>
+          <a:p>
+            <a:r>
+              <a:rPr lang="en-GB" dirty="0">
+                <a:solidFill>
+                  <a:schemeClr val="bg1"/>
+                </a:solidFill>
+                <a:latin typeface="-apple-system"/>
+              </a:rPr>
+              <a:t>During the execution of HPL, several configuration issues were encountered in the HPL.dat file, leading to multiple errors. Below are the errors and their respective solutions:</a:t>
+            </a:r>
+            <a:endParaRPr lang="en-GB" dirty="0">
+              <a:solidFill>
+                <a:schemeClr val="bg1"/>
+              </a:solidFill>
+              <a:latin typeface="-apple-system"/>
+            </a:endParaRPr>
+          </a:p>
+        </p:txBody>
+      </p:sp>
+      <p:graphicFrame>
+        <p:nvGraphicFramePr>
+          <p:cNvPr id="2" name="Object 1"/>
+          <p:cNvGraphicFramePr>
+            <a:graphicFrameLocks noChangeAspect="1"/>
+          </p:cNvGraphicFramePr>
+          <p:nvPr>
+            <p:extLst>
+              <p:ext uri="{D42A27DB-BD31-4B8C-83A1-F6EECF244321}">
+                <p14:modId xmlns:p14="http://schemas.microsoft.com/office/powerpoint/2010/main" val="2351784778"/>
+              </p:ext>
+            </p:extLst>
+          </p:nvPr>
+        </p:nvGraphicFramePr>
+        <p:xfrm>
+          <a:off x="-186787" y="1385375"/>
+          <a:ext cx="7315090" cy="3822909"/>
+        </p:xfrm>
+        <a:graphic>
+          <a:graphicData uri="http://schemas.openxmlformats.org/presentationml/2006/ole">
+            <mc:AlternateContent xmlns:mc="http://schemas.openxmlformats.org/markup-compatibility/2006">
+              <mc:Choice xmlns:v="urn:schemas-microsoft-com:vml" Requires="v">
+                <p:oleObj spid="_x0000_s1030" name="Document" r:id="rId4" imgW="5731988" imgH="2996748" progId="Word.Document.12">
+                  <p:embed/>
+                </p:oleObj>
+              </mc:Choice>
+              <mc:Fallback>
+                <p:oleObj name="Document" r:id="rId4" imgW="5731988" imgH="2996748" progId="Word.Document.12">
+                  <p:embed/>
+                  <p:pic>
+                    <p:nvPicPr>
+                      <p:cNvPr id="0" name=""/>
+                      <p:cNvPicPr/>
+                      <p:nvPr/>
+                    </p:nvPicPr>
+                    <p:blipFill>
+                      <a:blip r:embed="rId5"/>
+                      <a:stretch>
+                        <a:fillRect/>
+                      </a:stretch>
+                    </p:blipFill>
+                    <p:spPr>
+                      <a:xfrm>
+                        <a:off x="-186787" y="1385375"/>
+                        <a:ext cx="7315090" cy="3822909"/>
+                      </a:xfrm>
+                      <a:prstGeom prst="rect">
+                        <a:avLst/>
+                      </a:prstGeom>
+                    </p:spPr>
+                  </p:pic>
+                </p:oleObj>
+              </mc:Fallback>
+            </mc:AlternateContent>
+          </a:graphicData>
+        </a:graphic>
+      </p:graphicFrame>
+    </p:spTree>
+    <p:extLst>
+      <p:ext uri="{BB962C8B-B14F-4D97-AF65-F5344CB8AC3E}">
+        <p14:creationId xmlns:p14="http://schemas.microsoft.com/office/powerpoint/2010/main" val="1781034323"/>
+      </p:ext>
+    </p:extLst>
+  </p:cSld>
+  <p:clrMapOvr>
+    <a:masterClrMapping/>
+  </p:clrMapOvr>
+  <p:timing>
+    <p:tnLst>
+      <p:par>
+        <p:cTn id="1" dur="indefinite" restart="never" nodeType="tmRoot"/>
+      </p:par>
+    </p:tnLst>
+  </p:timing>
+</p:sld>
+</file>
+
+<file path=ppt/slides/slide22.xml><?xml version="1.0" encoding="utf-8"?>
+<p:sld xmlns:a="http://schemas.openxmlformats.org/drawingml/2006/main" xmlns:r="http://schemas.openxmlformats.org/officeDocument/2006/relationships" xmlns:p="http://schemas.openxmlformats.org/presentationml/2006/main">
+  <p:cSld>
+    <p:spTree>
+      <p:nvGrpSpPr>
+        <p:cNvPr id="1" name="Shape 373"/>
+        <p:cNvGrpSpPr/>
+        <p:nvPr/>
+      </p:nvGrpSpPr>
+      <p:grpSpPr>
+        <a:xfrm>
+          <a:off x="0" y="0"/>
+          <a:ext cx="0" cy="0"/>
+          <a:chOff x="0" y="0"/>
+          <a:chExt cx="0" cy="0"/>
+        </a:xfrm>
+      </p:grpSpPr>
+      <p:sp>
+        <p:nvSpPr>
+          <p:cNvPr id="374" name="Google Shape;374;p36"/>
+          <p:cNvSpPr txBox="1">
+            <a:spLocks noGrp="1"/>
+          </p:cNvSpPr>
+          <p:nvPr>
+            <p:ph type="sldNum" idx="12"/>
+          </p:nvPr>
+        </p:nvSpPr>
+        <p:spPr>
+          <a:xfrm>
+            <a:off x="8472450" y="4663223"/>
+            <a:ext cx="548700" cy="310200"/>
+          </a:xfrm>
+          <a:prstGeom prst="rect">
+            <a:avLst/>
+          </a:prstGeom>
+        </p:spPr>
+        <p:txBody>
+          <a:bodyPr spcFirstLastPara="1" wrap="square" lIns="91425" tIns="91425" rIns="91425" bIns="91425" anchor="ctr" anchorCtr="0">
+            <a:normAutofit fontScale="92500" lnSpcReduction="10000"/>
+          </a:bodyPr>
+          <a:lstStyle/>
+          <a:p>
+            <a:pPr marL="0" lvl="0" indent="0" algn="ctr" rtl="0">
+              <a:spcBef>
+                <a:spcPts val="0"/>
+              </a:spcBef>
+              <a:spcAft>
+                <a:spcPts val="0"/>
+              </a:spcAft>
+              <a:buNone/>
+            </a:pPr>
+            <a:fld id="{00000000-1234-1234-1234-123412341234}" type="slidenum">
+              <a:rPr lang="en"/>
+              <a:t>22</a:t>
+            </a:fld>
+            <a:endParaRPr/>
+          </a:p>
+        </p:txBody>
+      </p:sp>
+      <p:sp>
+        <p:nvSpPr>
+          <p:cNvPr id="375" name="Google Shape;375;p36"/>
+          <p:cNvSpPr txBox="1">
+            <a:spLocks noGrp="1"/>
+          </p:cNvSpPr>
+          <p:nvPr>
+            <p:ph type="title"/>
+          </p:nvPr>
+        </p:nvSpPr>
+        <p:spPr>
+          <a:xfrm>
+            <a:off x="164829" y="327378"/>
+            <a:ext cx="4441896" cy="383822"/>
+          </a:xfrm>
+          <a:prstGeom prst="rect">
+            <a:avLst/>
+          </a:prstGeom>
+          <a:noFill/>
+          <a:ln>
+            <a:noFill/>
+          </a:ln>
+        </p:spPr>
+        <p:txBody>
+          <a:bodyPr spcFirstLastPara="1" wrap="square" lIns="91425" tIns="91425" rIns="91425" bIns="91425" anchor="ctr" anchorCtr="0">
+            <a:noAutofit/>
+          </a:bodyPr>
+          <a:lstStyle/>
+          <a:p>
+            <a:r>
+              <a:rPr lang="en-GB" b="1" dirty="0" smtClean="0">
+                <a:solidFill>
+                  <a:srgbClr val="F0F6FC"/>
+                </a:solidFill>
+                <a:latin typeface="-apple-system"/>
+              </a:rPr>
+              <a:t>SSH Access to VMs</a:t>
+            </a:r>
+            <a:endParaRPr lang="en-GB" b="1" dirty="0">
+              <a:solidFill>
+                <a:srgbClr val="F0F6FC"/>
+              </a:solidFill>
+              <a:latin typeface="-apple-system"/>
+            </a:endParaRPr>
+          </a:p>
+        </p:txBody>
+      </p:sp>
+      <p:sp>
+        <p:nvSpPr>
+          <p:cNvPr id="3" name="Rectangle 2"/>
+          <p:cNvSpPr/>
+          <p:nvPr/>
+        </p:nvSpPr>
+        <p:spPr>
+          <a:xfrm>
+            <a:off x="164828" y="803205"/>
+            <a:ext cx="7682807" cy="1015663"/>
+          </a:xfrm>
+          <a:prstGeom prst="rect">
+            <a:avLst/>
+          </a:prstGeom>
+        </p:spPr>
+        <p:txBody>
+          <a:bodyPr wrap="square">
+            <a:spAutoFit/>
+          </a:bodyPr>
+          <a:lstStyle/>
+          <a:p>
+            <a:r>
+              <a:rPr lang="en-GB" sz="2000" dirty="0" smtClean="0">
+                <a:solidFill>
+                  <a:schemeClr val="bg1"/>
+                </a:solidFill>
+                <a:latin typeface="-apple-system"/>
+              </a:rPr>
+              <a:t>After setting port forwarding the SSH to access my </a:t>
+            </a:r>
+            <a:r>
+              <a:rPr lang="en-GB" sz="2000" dirty="0" err="1" smtClean="0">
+                <a:solidFill>
+                  <a:schemeClr val="bg1"/>
+                </a:solidFill>
+                <a:latin typeface="-apple-system"/>
+              </a:rPr>
+              <a:t>vms</a:t>
+            </a:r>
+            <a:r>
+              <a:rPr lang="en-GB" sz="2000" dirty="0" smtClean="0">
+                <a:solidFill>
+                  <a:schemeClr val="bg1"/>
+                </a:solidFill>
+                <a:latin typeface="-apple-system"/>
+              </a:rPr>
+              <a:t> via </a:t>
+            </a:r>
+            <a:r>
+              <a:rPr lang="en-GB" sz="2000" dirty="0" err="1" smtClean="0">
+                <a:solidFill>
+                  <a:schemeClr val="bg1"/>
+                </a:solidFill>
+                <a:latin typeface="-apple-system"/>
+              </a:rPr>
+              <a:t>ssh</a:t>
+            </a:r>
+            <a:r>
+              <a:rPr lang="en-GB" sz="2000" dirty="0" smtClean="0">
+                <a:solidFill>
+                  <a:schemeClr val="bg1"/>
+                </a:solidFill>
+                <a:latin typeface="-apple-system"/>
+              </a:rPr>
+              <a:t> wasn’t working, this </a:t>
+            </a:r>
+            <a:r>
+              <a:rPr lang="en-GB" sz="2000" dirty="0" smtClean="0">
+                <a:solidFill>
+                  <a:schemeClr val="bg1"/>
+                </a:solidFill>
+                <a:latin typeface="-apple-system"/>
+                <a:hlinkClick r:id="rId3"/>
+              </a:rPr>
+              <a:t>material</a:t>
+            </a:r>
+            <a:r>
+              <a:rPr lang="en-GB" sz="2000" dirty="0" smtClean="0">
+                <a:solidFill>
+                  <a:schemeClr val="bg1"/>
+                </a:solidFill>
+                <a:latin typeface="-apple-system"/>
+              </a:rPr>
+              <a:t> helped me to install , update some packages to solve this problem</a:t>
+            </a:r>
+            <a:endParaRPr lang="en-GB" sz="2000" dirty="0">
+              <a:solidFill>
+                <a:schemeClr val="bg1"/>
+              </a:solidFill>
+              <a:latin typeface="-apple-system"/>
+            </a:endParaRPr>
+          </a:p>
+        </p:txBody>
+      </p:sp>
+      <p:sp>
+        <p:nvSpPr>
+          <p:cNvPr id="11" name="Google Shape;375;p36"/>
+          <p:cNvSpPr txBox="1">
+            <a:spLocks/>
+          </p:cNvSpPr>
+          <p:nvPr/>
+        </p:nvSpPr>
+        <p:spPr>
+          <a:xfrm>
+            <a:off x="164829" y="2111809"/>
+            <a:ext cx="4441896" cy="383822"/>
+          </a:xfrm>
+          <a:prstGeom prst="rect">
+            <a:avLst/>
+          </a:prstGeom>
+          <a:noFill/>
+          <a:ln>
+            <a:noFill/>
+          </a:ln>
+        </p:spPr>
+        <p:txBody>
+          <a:bodyPr spcFirstLastPara="1" wrap="square" lIns="91425" tIns="91425" rIns="91425" bIns="91425" anchor="ctr" anchorCtr="0">
+            <a:noAutofit/>
+          </a:bodyPr>
+          <a:lstStyle>
+            <a:defPPr marR="0" lvl="0" algn="l" rtl="0">
+              <a:lnSpc>
+                <a:spcPct val="100000"/>
+              </a:lnSpc>
+              <a:spcBef>
+                <a:spcPts val="0"/>
+              </a:spcBef>
+              <a:spcAft>
+                <a:spcPts val="0"/>
+              </a:spcAft>
+            </a:defPPr>
+            <a:lvl1pPr marR="0" lvl="0" algn="l" rtl="0">
+              <a:lnSpc>
+                <a:spcPct val="100000"/>
+              </a:lnSpc>
+              <a:spcBef>
+                <a:spcPts val="0"/>
+              </a:spcBef>
+              <a:spcAft>
+                <a:spcPts val="0"/>
+              </a:spcAft>
+              <a:buClr>
+                <a:schemeClr val="lt1"/>
+              </a:buClr>
+              <a:buSzPts val="2800"/>
+              <a:buFont typeface="Montserrat ExtraBold"/>
+              <a:buNone/>
+              <a:defRPr sz="2800" b="0" i="0" u="none" strike="noStrike" cap="none">
+                <a:solidFill>
+                  <a:schemeClr val="lt1"/>
+                </a:solidFill>
+                <a:latin typeface="Montserrat ExtraBold"/>
+                <a:ea typeface="Montserrat ExtraBold"/>
+                <a:cs typeface="Montserrat ExtraBold"/>
+                <a:sym typeface="Montserrat ExtraBold"/>
+              </a:defRPr>
+            </a:lvl1pPr>
+            <a:lvl2pPr marR="0" lvl="1" algn="l" rtl="0">
+              <a:lnSpc>
+                <a:spcPct val="100000"/>
+              </a:lnSpc>
+              <a:spcBef>
+                <a:spcPts val="0"/>
+              </a:spcBef>
+              <a:spcAft>
+                <a:spcPts val="0"/>
+              </a:spcAft>
+              <a:buClr>
+                <a:schemeClr val="lt1"/>
+              </a:buClr>
+              <a:buSzPts val="2800"/>
+              <a:buFont typeface="Montserrat ExtraBold"/>
+              <a:buNone/>
+              <a:defRPr sz="2800" b="0" i="0" u="none" strike="noStrike" cap="none">
+                <a:solidFill>
+                  <a:schemeClr val="lt1"/>
+                </a:solidFill>
+                <a:latin typeface="Montserrat ExtraBold"/>
+                <a:ea typeface="Montserrat ExtraBold"/>
+                <a:cs typeface="Montserrat ExtraBold"/>
+                <a:sym typeface="Montserrat ExtraBold"/>
+              </a:defRPr>
+            </a:lvl2pPr>
+            <a:lvl3pPr marR="0" lvl="2" algn="l" rtl="0">
+              <a:lnSpc>
+                <a:spcPct val="100000"/>
+              </a:lnSpc>
+              <a:spcBef>
+                <a:spcPts val="0"/>
+              </a:spcBef>
+              <a:spcAft>
+                <a:spcPts val="0"/>
+              </a:spcAft>
+              <a:buClr>
+                <a:schemeClr val="lt1"/>
+              </a:buClr>
+              <a:buSzPts val="2800"/>
+              <a:buFont typeface="Montserrat ExtraBold"/>
+              <a:buNone/>
+              <a:defRPr sz="2800" b="0" i="0" u="none" strike="noStrike" cap="none">
+                <a:solidFill>
+                  <a:schemeClr val="lt1"/>
+                </a:solidFill>
+                <a:latin typeface="Montserrat ExtraBold"/>
+                <a:ea typeface="Montserrat ExtraBold"/>
+                <a:cs typeface="Montserrat ExtraBold"/>
+                <a:sym typeface="Montserrat ExtraBold"/>
+              </a:defRPr>
+            </a:lvl3pPr>
+            <a:lvl4pPr marR="0" lvl="3" algn="l" rtl="0">
+              <a:lnSpc>
+                <a:spcPct val="100000"/>
+              </a:lnSpc>
+              <a:spcBef>
+                <a:spcPts val="0"/>
+              </a:spcBef>
+              <a:spcAft>
+                <a:spcPts val="0"/>
+              </a:spcAft>
+              <a:buClr>
+                <a:schemeClr val="lt1"/>
+              </a:buClr>
+              <a:buSzPts val="2800"/>
+              <a:buFont typeface="Montserrat ExtraBold"/>
+              <a:buNone/>
+              <a:defRPr sz="2800" b="0" i="0" u="none" strike="noStrike" cap="none">
+                <a:solidFill>
+                  <a:schemeClr val="lt1"/>
+                </a:solidFill>
+                <a:latin typeface="Montserrat ExtraBold"/>
+                <a:ea typeface="Montserrat ExtraBold"/>
+                <a:cs typeface="Montserrat ExtraBold"/>
+                <a:sym typeface="Montserrat ExtraBold"/>
+              </a:defRPr>
+            </a:lvl4pPr>
+            <a:lvl5pPr marR="0" lvl="4" algn="l" rtl="0">
+              <a:lnSpc>
+                <a:spcPct val="100000"/>
+              </a:lnSpc>
+              <a:spcBef>
+                <a:spcPts val="0"/>
+              </a:spcBef>
+              <a:spcAft>
+                <a:spcPts val="0"/>
+              </a:spcAft>
+              <a:buClr>
+                <a:schemeClr val="lt1"/>
+              </a:buClr>
+              <a:buSzPts val="2800"/>
+              <a:buFont typeface="Montserrat ExtraBold"/>
+              <a:buNone/>
+              <a:defRPr sz="2800" b="0" i="0" u="none" strike="noStrike" cap="none">
+                <a:solidFill>
+                  <a:schemeClr val="lt1"/>
+                </a:solidFill>
+                <a:latin typeface="Montserrat ExtraBold"/>
+                <a:ea typeface="Montserrat ExtraBold"/>
+                <a:cs typeface="Montserrat ExtraBold"/>
+                <a:sym typeface="Montserrat ExtraBold"/>
+              </a:defRPr>
+            </a:lvl5pPr>
+            <a:lvl6pPr marR="0" lvl="5" algn="l" rtl="0">
+              <a:lnSpc>
+                <a:spcPct val="100000"/>
+              </a:lnSpc>
+              <a:spcBef>
+                <a:spcPts val="0"/>
+              </a:spcBef>
+              <a:spcAft>
+                <a:spcPts val="0"/>
+              </a:spcAft>
+              <a:buClr>
+                <a:schemeClr val="lt1"/>
+              </a:buClr>
+              <a:buSzPts val="2800"/>
+              <a:buFont typeface="Montserrat ExtraBold"/>
+              <a:buNone/>
+              <a:defRPr sz="2800" b="0" i="0" u="none" strike="noStrike" cap="none">
+                <a:solidFill>
+                  <a:schemeClr val="lt1"/>
+                </a:solidFill>
+                <a:latin typeface="Montserrat ExtraBold"/>
+                <a:ea typeface="Montserrat ExtraBold"/>
+                <a:cs typeface="Montserrat ExtraBold"/>
+                <a:sym typeface="Montserrat ExtraBold"/>
+              </a:defRPr>
+            </a:lvl6pPr>
+            <a:lvl7pPr marR="0" lvl="6" algn="l" rtl="0">
+              <a:lnSpc>
+                <a:spcPct val="100000"/>
+              </a:lnSpc>
+              <a:spcBef>
+                <a:spcPts val="0"/>
+              </a:spcBef>
+              <a:spcAft>
+                <a:spcPts val="0"/>
+              </a:spcAft>
+              <a:buClr>
+                <a:schemeClr val="lt1"/>
+              </a:buClr>
+              <a:buSzPts val="2800"/>
+              <a:buFont typeface="Montserrat ExtraBold"/>
+              <a:buNone/>
+              <a:defRPr sz="2800" b="0" i="0" u="none" strike="noStrike" cap="none">
+                <a:solidFill>
+                  <a:schemeClr val="lt1"/>
+                </a:solidFill>
+                <a:latin typeface="Montserrat ExtraBold"/>
+                <a:ea typeface="Montserrat ExtraBold"/>
+                <a:cs typeface="Montserrat ExtraBold"/>
+                <a:sym typeface="Montserrat ExtraBold"/>
+              </a:defRPr>
+            </a:lvl7pPr>
+            <a:lvl8pPr marR="0" lvl="7" algn="l" rtl="0">
+              <a:lnSpc>
+                <a:spcPct val="100000"/>
+              </a:lnSpc>
+              <a:spcBef>
+                <a:spcPts val="0"/>
+              </a:spcBef>
+              <a:spcAft>
+                <a:spcPts val="0"/>
+              </a:spcAft>
+              <a:buClr>
+                <a:schemeClr val="lt1"/>
+              </a:buClr>
+              <a:buSzPts val="2800"/>
+              <a:buFont typeface="Montserrat ExtraBold"/>
+              <a:buNone/>
+              <a:defRPr sz="2800" b="0" i="0" u="none" strike="noStrike" cap="none">
+                <a:solidFill>
+                  <a:schemeClr val="lt1"/>
+                </a:solidFill>
+                <a:latin typeface="Montserrat ExtraBold"/>
+                <a:ea typeface="Montserrat ExtraBold"/>
+                <a:cs typeface="Montserrat ExtraBold"/>
+                <a:sym typeface="Montserrat ExtraBold"/>
+              </a:defRPr>
+            </a:lvl8pPr>
+            <a:lvl9pPr marR="0" lvl="8" algn="l" rtl="0">
+              <a:lnSpc>
+                <a:spcPct val="100000"/>
+              </a:lnSpc>
+              <a:spcBef>
+                <a:spcPts val="0"/>
+              </a:spcBef>
+              <a:spcAft>
+                <a:spcPts val="0"/>
+              </a:spcAft>
+              <a:buClr>
+                <a:schemeClr val="lt1"/>
+              </a:buClr>
+              <a:buSzPts val="2800"/>
+              <a:buFont typeface="Montserrat ExtraBold"/>
+              <a:buNone/>
+              <a:defRPr sz="2800" b="0" i="0" u="none" strike="noStrike" cap="none">
+                <a:solidFill>
+                  <a:schemeClr val="lt1"/>
+                </a:solidFill>
+                <a:latin typeface="Montserrat ExtraBold"/>
+                <a:ea typeface="Montserrat ExtraBold"/>
+                <a:cs typeface="Montserrat ExtraBold"/>
+                <a:sym typeface="Montserrat ExtraBold"/>
+              </a:defRPr>
+            </a:lvl9pPr>
+          </a:lstStyle>
+          <a:p>
+            <a:r>
+              <a:rPr lang="en-GB" b="1" dirty="0" smtClean="0">
+                <a:solidFill>
+                  <a:schemeClr val="bg1"/>
+                </a:solidFill>
+                <a:latin typeface="-apple-system"/>
+              </a:rPr>
+              <a:t>Hostname </a:t>
+            </a:r>
+            <a:r>
+              <a:rPr lang="en-GB" b="1" dirty="0">
+                <a:solidFill>
+                  <a:schemeClr val="bg1"/>
+                </a:solidFill>
+                <a:latin typeface="-apple-system"/>
+              </a:rPr>
+              <a:t>Configuration</a:t>
+            </a:r>
+          </a:p>
+        </p:txBody>
+      </p:sp>
+      <p:sp>
+        <p:nvSpPr>
+          <p:cNvPr id="9" name="Rectangle 8"/>
+          <p:cNvSpPr/>
+          <p:nvPr/>
+        </p:nvSpPr>
+        <p:spPr>
+          <a:xfrm>
+            <a:off x="270502" y="2669831"/>
+            <a:ext cx="7471458" cy="1631216"/>
+          </a:xfrm>
+          <a:prstGeom prst="rect">
+            <a:avLst/>
+          </a:prstGeom>
+        </p:spPr>
+        <p:txBody>
+          <a:bodyPr wrap="square">
+            <a:spAutoFit/>
+          </a:bodyPr>
+          <a:lstStyle/>
+          <a:p>
+            <a:r>
+              <a:rPr lang="en-GB" sz="2000" b="1" dirty="0" smtClean="0">
+                <a:solidFill>
+                  <a:schemeClr val="bg1"/>
+                </a:solidFill>
+              </a:rPr>
+              <a:t>Problem</a:t>
+            </a:r>
+            <a:r>
+              <a:rPr lang="en-GB" sz="2000" b="1" dirty="0">
+                <a:solidFill>
+                  <a:schemeClr val="bg1"/>
+                </a:solidFill>
+              </a:rPr>
+              <a:t>: </a:t>
+            </a:r>
+            <a:r>
+              <a:rPr lang="en-GB" sz="2000" dirty="0">
+                <a:solidFill>
+                  <a:schemeClr val="bg1"/>
+                </a:solidFill>
+              </a:rPr>
+              <a:t>After cloning the VMs, the hostnames were not correctly configured</a:t>
+            </a:r>
+            <a:r>
+              <a:rPr lang="en-GB" sz="2000" dirty="0" smtClean="0">
+                <a:solidFill>
+                  <a:schemeClr val="bg1"/>
+                </a:solidFill>
+              </a:rPr>
+              <a:t>.</a:t>
+            </a:r>
+          </a:p>
+          <a:p>
+            <a:endParaRPr lang="en-GB" sz="2000" dirty="0">
+              <a:solidFill>
+                <a:schemeClr val="bg1"/>
+              </a:solidFill>
+            </a:endParaRPr>
+          </a:p>
+          <a:p>
+            <a:r>
+              <a:rPr lang="en-GB" sz="2000" b="1" dirty="0" smtClean="0">
+                <a:solidFill>
+                  <a:schemeClr val="bg1"/>
+                </a:solidFill>
+              </a:rPr>
+              <a:t>Solution</a:t>
+            </a:r>
+            <a:r>
+              <a:rPr lang="en-GB" sz="2000" b="1" dirty="0">
+                <a:solidFill>
+                  <a:schemeClr val="bg1"/>
+                </a:solidFill>
+              </a:rPr>
+              <a:t>: </a:t>
+            </a:r>
+            <a:r>
+              <a:rPr lang="en-GB" sz="2000" dirty="0" smtClean="0">
+                <a:solidFill>
+                  <a:schemeClr val="bg1"/>
+                </a:solidFill>
+              </a:rPr>
+              <a:t>I </a:t>
+            </a:r>
+            <a:r>
+              <a:rPr lang="en-GB" sz="2000" dirty="0">
+                <a:solidFill>
+                  <a:schemeClr val="bg1"/>
+                </a:solidFill>
+                <a:latin typeface="-apple-system"/>
+              </a:rPr>
+              <a:t>followed</a:t>
+            </a:r>
+            <a:r>
+              <a:rPr lang="en-GB" sz="2000" dirty="0">
+                <a:solidFill>
+                  <a:schemeClr val="bg1"/>
+                </a:solidFill>
+              </a:rPr>
+              <a:t> the guide at </a:t>
+            </a:r>
+            <a:r>
+              <a:rPr lang="en-GB" sz="2000" dirty="0">
+                <a:solidFill>
+                  <a:schemeClr val="bg1"/>
+                </a:solidFill>
+                <a:hlinkClick r:id="rId4"/>
+              </a:rPr>
+              <a:t>How to Set Hostname on Cloned VM </a:t>
+            </a:r>
+            <a:endParaRPr lang="en-GB" sz="2000" dirty="0">
+              <a:solidFill>
+                <a:schemeClr val="bg1"/>
+              </a:solidFill>
+            </a:endParaRPr>
+          </a:p>
+        </p:txBody>
+      </p:sp>
+    </p:spTree>
+    <p:extLst>
+      <p:ext uri="{BB962C8B-B14F-4D97-AF65-F5344CB8AC3E}">
+        <p14:creationId xmlns:p14="http://schemas.microsoft.com/office/powerpoint/2010/main" val="4138974706"/>
+      </p:ext>
+    </p:extLst>
+  </p:cSld>
+  <p:clrMapOvr>
+    <a:masterClrMapping/>
+  </p:clrMapOvr>
+  <p:timing>
+    <p:tnLst>
+      <p:par>
+        <p:cTn id="1" dur="indefinite" restart="never" nodeType="tmRoot"/>
+      </p:par>
+    </p:tnLst>
+  </p:timing>
+</p:sld>
+</file>
+
+<file path=ppt/slides/slide23.xml><?xml version="1.0" encoding="utf-8"?>
 <p:sld xmlns:a="http://schemas.openxmlformats.org/drawingml/2006/main" xmlns:r="http://schemas.openxmlformats.org/officeDocument/2006/relationships" xmlns:p="http://schemas.openxmlformats.org/presentationml/2006/main">
   <p:cSld>
     <p:spTree>
@@ -40769,7 +41775,7 @@
             </a:pPr>
             <a:fld id="{00000000-1234-1234-1234-123412341234}" type="slidenum">
               <a:rPr lang="en"/>
-              <a:t>21</a:t>
+              <a:t>23</a:t>
             </a:fld>
             <a:endParaRPr/>
           </a:p>
@@ -46209,7 +47215,6 @@
               <a:rPr lang="fr-FR" dirty="0"/>
               <a:t> Setup </a:t>
             </a:r>
-            <a:endParaRPr lang="fr-FR" dirty="0"/>
           </a:p>
         </p:txBody>
       </p:sp>
@@ -46421,12 +47426,6 @@
               </a:rPr>
               <a:t>Environment Setup - VMs</a:t>
             </a:r>
-            <a:endParaRPr lang="en-GB" b="1" dirty="0">
-              <a:solidFill>
-                <a:srgbClr val="F0F6FC"/>
-              </a:solidFill>
-              <a:latin typeface="-apple-system"/>
-            </a:endParaRPr>
           </a:p>
         </p:txBody>
       </p:sp>
@@ -47780,7 +48779,7 @@
         <p:spPr>
           <a:xfrm>
             <a:off x="164828" y="803205"/>
-            <a:ext cx="7308416" cy="3539430"/>
+            <a:ext cx="7308416" cy="3816429"/>
           </a:xfrm>
           <a:prstGeom prst="rect">
             <a:avLst/>
@@ -47951,8 +48950,30 @@
                 </a:solidFill>
                 <a:latin typeface="-apple-system"/>
               </a:rPr>
-              <a:t>: HPC Challenge benchmark suite</a:t>
+              <a:t>: HPC Challenge benchmark </a:t>
             </a:r>
+            <a:r>
+              <a:rPr lang="en-GB" sz="1800" dirty="0" smtClean="0">
+                <a:solidFill>
+                  <a:srgbClr val="F0F6FC"/>
+                </a:solidFill>
+                <a:latin typeface="-apple-system"/>
+              </a:rPr>
+              <a:t>suite</a:t>
+            </a:r>
+          </a:p>
+          <a:p>
+            <a:pPr>
+              <a:buClr>
+                <a:schemeClr val="bg1"/>
+              </a:buClr>
+            </a:pPr>
+            <a:endParaRPr lang="en-GB" sz="1800" dirty="0">
+              <a:solidFill>
+                <a:srgbClr val="F0F6FC"/>
+              </a:solidFill>
+              <a:latin typeface="-apple-system"/>
+            </a:endParaRPr>
           </a:p>
           <a:p>
             <a:r>

--- a/Cloud Computing Performance Testing.pptx
+++ b/Cloud Computing Performance Testing.pptx
@@ -36,28 +36,28 @@
   <p:notesSz cx="6858000" cy="9144000"/>
   <p:embeddedFontLst>
     <p:embeddedFont>
-      <p:font typeface="Montserrat ExtraBold" panose="00000900000000000000" pitchFamily="2" charset="0"/>
-      <p:bold r:id="rId26"/>
-      <p:boldItalic r:id="rId27"/>
+      <p:font typeface="Barlow Semi Condensed" panose="020B0604020202020204" charset="0"/>
+      <p:regular r:id="rId26"/>
+      <p:bold r:id="rId27"/>
+      <p:italic r:id="rId28"/>
+      <p:boldItalic r:id="rId29"/>
     </p:embeddedFont>
     <p:embeddedFont>
       <p:font typeface="Barlow Semi Condensed Medium" panose="020B0604020202020204" charset="0"/>
-      <p:regular r:id="rId28"/>
-      <p:bold r:id="rId29"/>
-      <p:italic r:id="rId30"/>
-      <p:boldItalic r:id="rId31"/>
+      <p:regular r:id="rId30"/>
+      <p:bold r:id="rId31"/>
+      <p:italic r:id="rId32"/>
+      <p:boldItalic r:id="rId33"/>
+    </p:embeddedFont>
+    <p:embeddedFont>
+      <p:font typeface="Montserrat ExtraBold" panose="00000900000000000000" pitchFamily="2" charset="0"/>
+      <p:bold r:id="rId34"/>
+      <p:boldItalic r:id="rId35"/>
     </p:embeddedFont>
     <p:embeddedFont>
       <p:font typeface="Roboto Condensed Light" panose="02000000000000000000" pitchFamily="2" charset="0"/>
-      <p:regular r:id="rId32"/>
-      <p:italic r:id="rId33"/>
-    </p:embeddedFont>
-    <p:embeddedFont>
-      <p:font typeface="Barlow Semi Condensed" panose="020B0604020202020204" charset="0"/>
-      <p:regular r:id="rId34"/>
-      <p:bold r:id="rId35"/>
-      <p:italic r:id="rId36"/>
-      <p:boldItalic r:id="rId37"/>
+      <p:regular r:id="rId36"/>
+      <p:italic r:id="rId37"/>
     </p:embeddedFont>
   </p:embeddedFontLst>
   <p:defaultTextStyle>
@@ -1365,6 +1365,395 @@
           </a:bodyPr>
           <a:lstStyle/>
           <a:p>
+            <a:r>
+              <a:rPr lang="en-GB" sz="1100" b="0" i="0" u="none" strike="noStrike" cap="none" dirty="0" smtClean="0">
+                <a:solidFill>
+                  <a:srgbClr val="000000"/>
+                </a:solidFill>
+                <a:effectLst/>
+                <a:latin typeface="Arial"/>
+                <a:ea typeface="Arial"/>
+                <a:cs typeface="Arial"/>
+                <a:sym typeface="Arial"/>
+              </a:rPr>
+              <a:t>HPL</a:t>
+            </a:r>
+            <a:r>
+              <a:rPr lang="en-GB" sz="1100" b="0" i="0" u="none" strike="noStrike" cap="none" baseline="30000" dirty="0" smtClean="0">
+                <a:solidFill>
+                  <a:srgbClr val="000000"/>
+                </a:solidFill>
+                <a:effectLst/>
+                <a:latin typeface="Arial"/>
+                <a:ea typeface="Arial"/>
+                <a:cs typeface="Arial"/>
+                <a:sym typeface="Arial"/>
+                <a:hlinkClick r:id="rId3"/>
+              </a:rPr>
+              <a:t>[3]</a:t>
+            </a:r>
+            <a:r>
+              <a:rPr lang="en-GB" sz="1100" b="0" i="0" u="none" strike="noStrike" cap="none" dirty="0" smtClean="0">
+                <a:solidFill>
+                  <a:srgbClr val="000000"/>
+                </a:solidFill>
+                <a:effectLst/>
+                <a:latin typeface="Arial"/>
+                <a:ea typeface="Arial"/>
+                <a:cs typeface="Arial"/>
+                <a:sym typeface="Arial"/>
+              </a:rPr>
+              <a:t> (High Performance </a:t>
+            </a:r>
+            <a:r>
+              <a:rPr lang="en-GB" sz="1100" b="0" i="0" u="none" strike="noStrike" cap="none" dirty="0" smtClean="0">
+                <a:solidFill>
+                  <a:srgbClr val="000000"/>
+                </a:solidFill>
+                <a:effectLst/>
+                <a:latin typeface="Arial"/>
+                <a:ea typeface="Arial"/>
+                <a:cs typeface="Arial"/>
+                <a:sym typeface="Arial"/>
+                <a:hlinkClick r:id="rId4" tooltip="LINPACK"/>
+              </a:rPr>
+              <a:t>LINPACK</a:t>
+            </a:r>
+            <a:r>
+              <a:rPr lang="en-GB" sz="1100" b="0" i="0" u="none" strike="noStrike" cap="none" dirty="0" smtClean="0">
+                <a:solidFill>
+                  <a:srgbClr val="000000"/>
+                </a:solidFill>
+                <a:effectLst/>
+                <a:latin typeface="Arial"/>
+                <a:ea typeface="Arial"/>
+                <a:cs typeface="Arial"/>
+                <a:sym typeface="Arial"/>
+              </a:rPr>
+              <a:t>) – measures performance of a solver for a dense </a:t>
+            </a:r>
+            <a:r>
+              <a:rPr lang="en-GB" sz="1100" b="0" i="0" u="none" strike="noStrike" cap="none" dirty="0" smtClean="0">
+                <a:solidFill>
+                  <a:srgbClr val="000000"/>
+                </a:solidFill>
+                <a:effectLst/>
+                <a:latin typeface="Arial"/>
+                <a:ea typeface="Arial"/>
+                <a:cs typeface="Arial"/>
+                <a:sym typeface="Arial"/>
+                <a:hlinkClick r:id="rId5" tooltip="System of linear equations"/>
+              </a:rPr>
+              <a:t>system of linear equations</a:t>
+            </a:r>
+            <a:r>
+              <a:rPr lang="en-GB" sz="1100" b="0" i="0" u="none" strike="noStrike" cap="none" dirty="0" smtClean="0">
+                <a:solidFill>
+                  <a:srgbClr val="000000"/>
+                </a:solidFill>
+                <a:effectLst/>
+                <a:latin typeface="Arial"/>
+                <a:ea typeface="Arial"/>
+                <a:cs typeface="Arial"/>
+                <a:sym typeface="Arial"/>
+              </a:rPr>
+              <a:t> (global).</a:t>
+            </a:r>
+          </a:p>
+          <a:p>
+            <a:r>
+              <a:rPr lang="en-GB" sz="1100" b="0" i="0" u="none" strike="noStrike" cap="none" dirty="0" smtClean="0">
+                <a:solidFill>
+                  <a:srgbClr val="000000"/>
+                </a:solidFill>
+                <a:effectLst/>
+                <a:latin typeface="Arial"/>
+                <a:ea typeface="Arial"/>
+                <a:cs typeface="Arial"/>
+                <a:sym typeface="Arial"/>
+                <a:hlinkClick r:id="rId6" tooltip="General Matrix Multiply"/>
+              </a:rPr>
+              <a:t>DGEMM</a:t>
+            </a:r>
+            <a:r>
+              <a:rPr lang="en-GB" sz="1100" b="0" i="0" u="none" strike="noStrike" cap="none" dirty="0" smtClean="0">
+                <a:solidFill>
+                  <a:srgbClr val="000000"/>
+                </a:solidFill>
+                <a:effectLst/>
+                <a:latin typeface="Arial"/>
+                <a:ea typeface="Arial"/>
+                <a:cs typeface="Arial"/>
+                <a:sym typeface="Arial"/>
+              </a:rPr>
+              <a:t> – measures performance for matrix-matrix multiplication (single, star).</a:t>
+            </a:r>
+          </a:p>
+          <a:p>
+            <a:r>
+              <a:rPr lang="en-GB" sz="1100" b="0" i="0" u="none" strike="noStrike" cap="none" dirty="0" smtClean="0">
+                <a:solidFill>
+                  <a:srgbClr val="000000"/>
+                </a:solidFill>
+                <a:effectLst/>
+                <a:latin typeface="Arial"/>
+                <a:ea typeface="Arial"/>
+                <a:cs typeface="Arial"/>
+                <a:sym typeface="Arial"/>
+              </a:rPr>
+              <a:t>STREAM</a:t>
+            </a:r>
+            <a:r>
+              <a:rPr lang="en-GB" sz="1100" b="0" i="0" u="none" strike="noStrike" cap="none" baseline="30000" dirty="0" smtClean="0">
+                <a:solidFill>
+                  <a:srgbClr val="000000"/>
+                </a:solidFill>
+                <a:effectLst/>
+                <a:latin typeface="Arial"/>
+                <a:ea typeface="Arial"/>
+                <a:cs typeface="Arial"/>
+                <a:sym typeface="Arial"/>
+                <a:hlinkClick r:id="rId7"/>
+              </a:rPr>
+              <a:t>[4]</a:t>
+            </a:r>
+            <a:r>
+              <a:rPr lang="en-GB" sz="1100" b="0" i="0" u="none" strike="noStrike" cap="none" dirty="0" smtClean="0">
+                <a:solidFill>
+                  <a:srgbClr val="000000"/>
+                </a:solidFill>
+                <a:effectLst/>
+                <a:latin typeface="Arial"/>
+                <a:ea typeface="Arial"/>
+                <a:cs typeface="Arial"/>
+                <a:sym typeface="Arial"/>
+              </a:rPr>
+              <a:t> – measures sustained </a:t>
+            </a:r>
+            <a:r>
+              <a:rPr lang="en-GB" sz="1100" b="0" i="0" u="none" strike="noStrike" cap="none" dirty="0" smtClean="0">
+                <a:solidFill>
+                  <a:srgbClr val="000000"/>
+                </a:solidFill>
+                <a:effectLst/>
+                <a:latin typeface="Arial"/>
+                <a:ea typeface="Arial"/>
+                <a:cs typeface="Arial"/>
+                <a:sym typeface="Arial"/>
+                <a:hlinkClick r:id="rId8" tooltip="Memory bandwidth"/>
+              </a:rPr>
+              <a:t>memory bandwidth</a:t>
+            </a:r>
+            <a:r>
+              <a:rPr lang="en-GB" sz="1100" b="0" i="0" u="none" strike="noStrike" cap="none" dirty="0" smtClean="0">
+                <a:solidFill>
+                  <a:srgbClr val="000000"/>
+                </a:solidFill>
+                <a:effectLst/>
+                <a:latin typeface="Arial"/>
+                <a:ea typeface="Arial"/>
+                <a:cs typeface="Arial"/>
+                <a:sym typeface="Arial"/>
+              </a:rPr>
+              <a:t> to/from memory (single, star).</a:t>
+            </a:r>
+          </a:p>
+          <a:p>
+            <a:r>
+              <a:rPr lang="en-GB" sz="1100" b="0" i="0" u="none" strike="noStrike" cap="none" dirty="0" smtClean="0">
+                <a:solidFill>
+                  <a:srgbClr val="000000"/>
+                </a:solidFill>
+                <a:effectLst/>
+                <a:latin typeface="Arial"/>
+                <a:ea typeface="Arial"/>
+                <a:cs typeface="Arial"/>
+                <a:sym typeface="Arial"/>
+              </a:rPr>
+              <a:t>PTRANS – measures the rate at which the system can </a:t>
+            </a:r>
+            <a:r>
+              <a:rPr lang="en-GB" sz="1100" b="0" i="0" u="none" strike="noStrike" cap="none" dirty="0" smtClean="0">
+                <a:solidFill>
+                  <a:srgbClr val="000000"/>
+                </a:solidFill>
+                <a:effectLst/>
+                <a:latin typeface="Arial"/>
+                <a:ea typeface="Arial"/>
+                <a:cs typeface="Arial"/>
+                <a:sym typeface="Arial"/>
+                <a:hlinkClick r:id="rId9" tooltip="Transpose"/>
+              </a:rPr>
+              <a:t>transpose</a:t>
+            </a:r>
+            <a:r>
+              <a:rPr lang="en-GB" sz="1100" b="0" i="0" u="none" strike="noStrike" cap="none" dirty="0" smtClean="0">
+                <a:solidFill>
+                  <a:srgbClr val="000000"/>
+                </a:solidFill>
+                <a:effectLst/>
+                <a:latin typeface="Arial"/>
+                <a:ea typeface="Arial"/>
+                <a:cs typeface="Arial"/>
+                <a:sym typeface="Arial"/>
+              </a:rPr>
+              <a:t> a large array (global).</a:t>
+            </a:r>
+          </a:p>
+          <a:p>
+            <a:r>
+              <a:rPr lang="en-GB" sz="1100" b="0" i="0" u="none" strike="noStrike" cap="none" dirty="0" err="1" smtClean="0">
+                <a:solidFill>
+                  <a:srgbClr val="000000"/>
+                </a:solidFill>
+                <a:effectLst/>
+                <a:latin typeface="Arial"/>
+                <a:ea typeface="Arial"/>
+                <a:cs typeface="Arial"/>
+                <a:sym typeface="Arial"/>
+                <a:hlinkClick r:id="rId10" tooltip="Giga-updates per second"/>
+              </a:rPr>
+              <a:t>RandomAccess</a:t>
+            </a:r>
+            <a:r>
+              <a:rPr lang="en-GB" sz="1100" b="0" i="0" u="none" strike="noStrike" cap="none" dirty="0" smtClean="0">
+                <a:solidFill>
+                  <a:srgbClr val="000000"/>
+                </a:solidFill>
+                <a:effectLst/>
+                <a:latin typeface="Arial"/>
+                <a:ea typeface="Arial"/>
+                <a:cs typeface="Arial"/>
+                <a:sym typeface="Arial"/>
+              </a:rPr>
+              <a:t> – measures the rate of 64-bit updates to randomly selected elements of a large table (single, star, global).</a:t>
+            </a:r>
+          </a:p>
+          <a:p>
+            <a:r>
+              <a:rPr lang="en-GB" sz="1100" b="0" i="0" u="none" strike="noStrike" cap="none" dirty="0" smtClean="0">
+                <a:solidFill>
+                  <a:srgbClr val="000000"/>
+                </a:solidFill>
+                <a:effectLst/>
+                <a:latin typeface="Arial"/>
+                <a:ea typeface="Arial"/>
+                <a:cs typeface="Arial"/>
+                <a:sym typeface="Arial"/>
+              </a:rPr>
+              <a:t>FFT – performs a </a:t>
+            </a:r>
+            <a:r>
+              <a:rPr lang="en-GB" sz="1100" b="0" i="0" u="none" strike="noStrike" cap="none" dirty="0" smtClean="0">
+                <a:solidFill>
+                  <a:srgbClr val="000000"/>
+                </a:solidFill>
+                <a:effectLst/>
+                <a:latin typeface="Arial"/>
+                <a:ea typeface="Arial"/>
+                <a:cs typeface="Arial"/>
+                <a:sym typeface="Arial"/>
+                <a:hlinkClick r:id="rId11" tooltip="Fast Fourier transform"/>
+              </a:rPr>
+              <a:t>Fast Fourier Transform</a:t>
+            </a:r>
+            <a:r>
+              <a:rPr lang="en-GB" sz="1100" b="0" i="0" u="none" strike="noStrike" cap="none" dirty="0" smtClean="0">
+                <a:solidFill>
+                  <a:srgbClr val="000000"/>
+                </a:solidFill>
+                <a:effectLst/>
+                <a:latin typeface="Arial"/>
+                <a:ea typeface="Arial"/>
+                <a:cs typeface="Arial"/>
+                <a:sym typeface="Arial"/>
+              </a:rPr>
+              <a:t> on a large one-dimensional vector using the generalized </a:t>
+            </a:r>
+            <a:r>
+              <a:rPr lang="en-GB" sz="1100" b="0" i="0" u="none" strike="noStrike" cap="none" dirty="0" smtClean="0">
+                <a:solidFill>
+                  <a:srgbClr val="000000"/>
+                </a:solidFill>
+                <a:effectLst/>
+                <a:latin typeface="Arial"/>
+                <a:ea typeface="Arial"/>
+                <a:cs typeface="Arial"/>
+                <a:sym typeface="Arial"/>
+                <a:hlinkClick r:id="rId12" tooltip="Cooley–Tukey FFT algorithm"/>
+              </a:rPr>
+              <a:t>Cooley–Tukey</a:t>
+            </a:r>
+            <a:r>
+              <a:rPr lang="en-GB" sz="1100" b="0" i="0" u="none" strike="noStrike" cap="none" dirty="0" smtClean="0">
+                <a:solidFill>
+                  <a:srgbClr val="000000"/>
+                </a:solidFill>
+                <a:effectLst/>
+                <a:latin typeface="Arial"/>
+                <a:ea typeface="Arial"/>
+                <a:cs typeface="Arial"/>
+                <a:sym typeface="Arial"/>
+              </a:rPr>
+              <a:t> algorithm (single, star, global).</a:t>
+            </a:r>
+          </a:p>
+          <a:p>
+            <a:r>
+              <a:rPr lang="en-GB" sz="1100" b="0" i="0" u="none" strike="noStrike" cap="none" dirty="0" smtClean="0">
+                <a:solidFill>
+                  <a:srgbClr val="000000"/>
+                </a:solidFill>
+                <a:effectLst/>
+                <a:latin typeface="Arial"/>
+                <a:ea typeface="Arial"/>
+                <a:cs typeface="Arial"/>
+                <a:sym typeface="Arial"/>
+              </a:rPr>
+              <a:t>Communication Bandwidth and Latency – MPI-centric performance measurements based on the </a:t>
+            </a:r>
+            <a:r>
+              <a:rPr lang="en-GB" sz="1100" b="0" i="0" u="none" strike="noStrike" cap="none" dirty="0" err="1" smtClean="0">
+                <a:solidFill>
+                  <a:srgbClr val="000000"/>
+                </a:solidFill>
+                <a:effectLst/>
+                <a:latin typeface="Arial"/>
+                <a:ea typeface="Arial"/>
+                <a:cs typeface="Arial"/>
+                <a:sym typeface="Arial"/>
+              </a:rPr>
+              <a:t>b_eff</a:t>
+            </a:r>
+            <a:r>
+              <a:rPr lang="en-GB" sz="1100" b="0" i="0" u="none" strike="noStrike" cap="none" baseline="30000" dirty="0" smtClean="0">
+                <a:solidFill>
+                  <a:srgbClr val="000000"/>
+                </a:solidFill>
+                <a:effectLst/>
+                <a:latin typeface="Arial"/>
+                <a:ea typeface="Arial"/>
+                <a:cs typeface="Arial"/>
+                <a:sym typeface="Arial"/>
+                <a:hlinkClick r:id="rId13"/>
+              </a:rPr>
+              <a:t>[5]</a:t>
+            </a:r>
+            <a:r>
+              <a:rPr lang="en-GB" sz="1100" b="0" i="0" u="none" strike="noStrike" cap="none" dirty="0" smtClean="0">
+                <a:solidFill>
+                  <a:srgbClr val="000000"/>
+                </a:solidFill>
+                <a:effectLst/>
+                <a:latin typeface="Arial"/>
+                <a:ea typeface="Arial"/>
+                <a:cs typeface="Arial"/>
+                <a:sym typeface="Arial"/>
+              </a:rPr>
+              <a:t> bandwidth/latency benchmark.</a:t>
+            </a:r>
+          </a:p>
+          <a:p>
             <a:pPr marL="0" lvl="0" indent="0" algn="l" rtl="0">
               <a:spcBef>
                 <a:spcPts val="0"/>
@@ -1374,10 +1763,6 @@
               </a:spcAft>
               <a:buNone/>
             </a:pPr>
-            <a:r>
-              <a:rPr lang="en-GB" dirty="0" smtClean="0"/>
-              <a:t>GFLOPS (Giga Floating-Point Operations Per Second) is a unit of measure for a computer's computational speed, indicating the number of billion floating-point operations it can perform in one second. </a:t>
-            </a:r>
             <a:endParaRPr dirty="0"/>
           </a:p>
         </p:txBody>
@@ -20710,7 +21095,7 @@
                 <a:hlinkClick r:id="rId2">
                   <a:extLst>
                     <a:ext uri="{A12FA001-AC4F-418D-AE19-62706E023703}">
-                      <ahyp:hlinkClr xmlns="" xmlns:mc="http://schemas.openxmlformats.org/markup-compatibility/2006" xmlns:mv="urn:schemas-microsoft-com:mac:vml" xmlns:c="http://schemas.openxmlformats.org/drawingml/2006/chart" xmlns:dgm="http://schemas.openxmlformats.org/drawingml/2006/diagram" xmlns:o="urn:schemas-microsoft-com:office:office" xmlns:v="urn:schemas-microsoft-com:vml" xmlns:pvml="urn:schemas-microsoft-com:office:powerpoint" xmlns:com="http://schemas.openxmlformats.org/drawingml/2006/compatibility" xmlns:p14="http://schemas.microsoft.com/office/powerpoint/2010/main" xmlns:p15="http://schemas.microsoft.com/office/powerpoint/2012/main" xmlns:ahyp="http://schemas.microsoft.com/office/drawing/2018/hyperlinkcolor" val="tx"/>
+                      <ahyp:hlinkClr xmlns:ahyp="http://schemas.microsoft.com/office/drawing/2018/hyperlinkcolor" xmlns:p15="http://schemas.microsoft.com/office/powerpoint/2012/main" xmlns:p14="http://schemas.microsoft.com/office/powerpoint/2010/main" xmlns:com="http://schemas.openxmlformats.org/drawingml/2006/compatibility" xmlns:pvml="urn:schemas-microsoft-com:office:powerpoint" xmlns:v="urn:schemas-microsoft-com:vml" xmlns:o="urn:schemas-microsoft-com:office:office" xmlns:dgm="http://schemas.openxmlformats.org/drawingml/2006/diagram" xmlns:c="http://schemas.openxmlformats.org/drawingml/2006/chart" xmlns:mv="urn:schemas-microsoft-com:mac:vml" xmlns:mc="http://schemas.openxmlformats.org/markup-compatibility/2006" xmlns="" val="tx"/>
                     </a:ext>
                   </a:extLst>
                 </a:hlinkClick>
@@ -20744,7 +21129,7 @@
                 <a:hlinkClick r:id="rId3">
                   <a:extLst>
                     <a:ext uri="{A12FA001-AC4F-418D-AE19-62706E023703}">
-                      <ahyp:hlinkClr xmlns="" xmlns:mc="http://schemas.openxmlformats.org/markup-compatibility/2006" xmlns:mv="urn:schemas-microsoft-com:mac:vml" xmlns:c="http://schemas.openxmlformats.org/drawingml/2006/chart" xmlns:dgm="http://schemas.openxmlformats.org/drawingml/2006/diagram" xmlns:o="urn:schemas-microsoft-com:office:office" xmlns:v="urn:schemas-microsoft-com:vml" xmlns:pvml="urn:schemas-microsoft-com:office:powerpoint" xmlns:com="http://schemas.openxmlformats.org/drawingml/2006/compatibility" xmlns:p14="http://schemas.microsoft.com/office/powerpoint/2010/main" xmlns:p15="http://schemas.microsoft.com/office/powerpoint/2012/main" xmlns:ahyp="http://schemas.microsoft.com/office/drawing/2018/hyperlinkcolor" val="tx"/>
+                      <ahyp:hlinkClr xmlns:ahyp="http://schemas.microsoft.com/office/drawing/2018/hyperlinkcolor" xmlns:p15="http://schemas.microsoft.com/office/powerpoint/2012/main" xmlns:p14="http://schemas.microsoft.com/office/powerpoint/2010/main" xmlns:com="http://schemas.openxmlformats.org/drawingml/2006/compatibility" xmlns:pvml="urn:schemas-microsoft-com:office:powerpoint" xmlns:v="urn:schemas-microsoft-com:vml" xmlns:o="urn:schemas-microsoft-com:office:office" xmlns:dgm="http://schemas.openxmlformats.org/drawingml/2006/diagram" xmlns:c="http://schemas.openxmlformats.org/drawingml/2006/chart" xmlns:mv="urn:schemas-microsoft-com:mac:vml" xmlns:mc="http://schemas.openxmlformats.org/markup-compatibility/2006" xmlns="" val="tx"/>
                     </a:ext>
                   </a:extLst>
                 </a:hlinkClick>
@@ -20778,7 +21163,7 @@
                 <a:hlinkClick r:id="rId4">
                   <a:extLst>
                     <a:ext uri="{A12FA001-AC4F-418D-AE19-62706E023703}">
-                      <ahyp:hlinkClr xmlns="" xmlns:mc="http://schemas.openxmlformats.org/markup-compatibility/2006" xmlns:mv="urn:schemas-microsoft-com:mac:vml" xmlns:c="http://schemas.openxmlformats.org/drawingml/2006/chart" xmlns:dgm="http://schemas.openxmlformats.org/drawingml/2006/diagram" xmlns:o="urn:schemas-microsoft-com:office:office" xmlns:v="urn:schemas-microsoft-com:vml" xmlns:pvml="urn:schemas-microsoft-com:office:powerpoint" xmlns:com="http://schemas.openxmlformats.org/drawingml/2006/compatibility" xmlns:p14="http://schemas.microsoft.com/office/powerpoint/2010/main" xmlns:p15="http://schemas.microsoft.com/office/powerpoint/2012/main" xmlns:ahyp="http://schemas.microsoft.com/office/drawing/2018/hyperlinkcolor" val="tx"/>
+                      <ahyp:hlinkClr xmlns:ahyp="http://schemas.microsoft.com/office/drawing/2018/hyperlinkcolor" xmlns:p15="http://schemas.microsoft.com/office/powerpoint/2012/main" xmlns:p14="http://schemas.microsoft.com/office/powerpoint/2010/main" xmlns:com="http://schemas.openxmlformats.org/drawingml/2006/compatibility" xmlns:pvml="urn:schemas-microsoft-com:office:powerpoint" xmlns:v="urn:schemas-microsoft-com:vml" xmlns:o="urn:schemas-microsoft-com:office:office" xmlns:dgm="http://schemas.openxmlformats.org/drawingml/2006/diagram" xmlns:c="http://schemas.openxmlformats.org/drawingml/2006/chart" xmlns:mv="urn:schemas-microsoft-com:mac:vml" xmlns:mc="http://schemas.openxmlformats.org/markup-compatibility/2006" xmlns="" val="tx"/>
                     </a:ext>
                   </a:extLst>
                 </a:hlinkClick>
@@ -40879,12 +41264,6 @@
               </a:rPr>
               <a:t>Benchmark Failure</a:t>
             </a:r>
-            <a:endParaRPr lang="en-GB" b="1" dirty="0">
-              <a:solidFill>
-                <a:srgbClr val="F0F6FC"/>
-              </a:solidFill>
-              <a:latin typeface="-apple-system"/>
-            </a:endParaRPr>
           </a:p>
         </p:txBody>
       </p:sp>
@@ -40918,12 +41297,6 @@
               </a:rPr>
               <a:t>During the execution of HPL, several configuration issues were encountered in the HPL.dat file, leading to multiple errors. Below are the errors and their respective solutions:</a:t>
             </a:r>
-            <a:endParaRPr lang="en-GB" dirty="0">
-              <a:solidFill>
-                <a:schemeClr val="bg1"/>
-              </a:solidFill>
-              <a:latin typeface="-apple-system"/>
-            </a:endParaRPr>
           </a:p>
         </p:txBody>
       </p:sp>
@@ -40949,7 +41322,7 @@
           <a:graphicData uri="http://schemas.openxmlformats.org/presentationml/2006/ole">
             <mc:AlternateContent xmlns:mc="http://schemas.openxmlformats.org/markup-compatibility/2006">
               <mc:Choice xmlns:v="urn:schemas-microsoft-com:vml" Requires="v">
-                <p:oleObj spid="_x0000_s1030" name="Document" r:id="rId4" imgW="5731988" imgH="2996748" progId="Word.Document.12">
+                <p:oleObj spid="_x0000_s1031" name="Document" r:id="rId4" imgW="5731988" imgH="2996748" progId="Word.Document.12">
                   <p:embed/>
                 </p:oleObj>
               </mc:Choice>
